--- a/Report/Schedule.pptx
+++ b/Report/Schedule.pptx
@@ -104,6 +104,11 @@
       </a:defRPr>
     </a:lvl9pPr>
   </p:defaultTextStyle>
+  <p:extLst>
+    <p:ext uri="{EFAFB233-063F-42B5-8137-9DF3F51BA10A}">
+      <p15:sldGuideLst xmlns:p15="http://schemas.microsoft.com/office/powerpoint/2012/main"/>
+    </p:ext>
+  </p:extLst>
 </p:presentation>
 </file>
 
@@ -238,7 +243,7 @@
           <a:p>
             <a:fld id="{7728EA7B-7BA9-4306-8F78-B41430E4B17F}" type="datetimeFigureOut">
               <a:rPr lang="en-GB" smtClean="0"/>
-              <a:t>01/05/2023</a:t>
+              <a:t>10/05/2023</a:t>
             </a:fld>
             <a:endParaRPr lang="en-GB"/>
           </a:p>
@@ -408,7 +413,7 @@
           <a:p>
             <a:fld id="{7728EA7B-7BA9-4306-8F78-B41430E4B17F}" type="datetimeFigureOut">
               <a:rPr lang="en-GB" smtClean="0"/>
-              <a:t>01/05/2023</a:t>
+              <a:t>10/05/2023</a:t>
             </a:fld>
             <a:endParaRPr lang="en-GB"/>
           </a:p>
@@ -588,7 +593,7 @@
           <a:p>
             <a:fld id="{7728EA7B-7BA9-4306-8F78-B41430E4B17F}" type="datetimeFigureOut">
               <a:rPr lang="en-GB" smtClean="0"/>
-              <a:t>01/05/2023</a:t>
+              <a:t>10/05/2023</a:t>
             </a:fld>
             <a:endParaRPr lang="en-GB"/>
           </a:p>
@@ -758,7 +763,7 @@
           <a:p>
             <a:fld id="{7728EA7B-7BA9-4306-8F78-B41430E4B17F}" type="datetimeFigureOut">
               <a:rPr lang="en-GB" smtClean="0"/>
-              <a:t>01/05/2023</a:t>
+              <a:t>10/05/2023</a:t>
             </a:fld>
             <a:endParaRPr lang="en-GB"/>
           </a:p>
@@ -1004,7 +1009,7 @@
           <a:p>
             <a:fld id="{7728EA7B-7BA9-4306-8F78-B41430E4B17F}" type="datetimeFigureOut">
               <a:rPr lang="en-GB" smtClean="0"/>
-              <a:t>01/05/2023</a:t>
+              <a:t>10/05/2023</a:t>
             </a:fld>
             <a:endParaRPr lang="en-GB"/>
           </a:p>
@@ -1236,7 +1241,7 @@
           <a:p>
             <a:fld id="{7728EA7B-7BA9-4306-8F78-B41430E4B17F}" type="datetimeFigureOut">
               <a:rPr lang="en-GB" smtClean="0"/>
-              <a:t>01/05/2023</a:t>
+              <a:t>10/05/2023</a:t>
             </a:fld>
             <a:endParaRPr lang="en-GB"/>
           </a:p>
@@ -1603,7 +1608,7 @@
           <a:p>
             <a:fld id="{7728EA7B-7BA9-4306-8F78-B41430E4B17F}" type="datetimeFigureOut">
               <a:rPr lang="en-GB" smtClean="0"/>
-              <a:t>01/05/2023</a:t>
+              <a:t>10/05/2023</a:t>
             </a:fld>
             <a:endParaRPr lang="en-GB"/>
           </a:p>
@@ -1721,7 +1726,7 @@
           <a:p>
             <a:fld id="{7728EA7B-7BA9-4306-8F78-B41430E4B17F}" type="datetimeFigureOut">
               <a:rPr lang="en-GB" smtClean="0"/>
-              <a:t>01/05/2023</a:t>
+              <a:t>10/05/2023</a:t>
             </a:fld>
             <a:endParaRPr lang="en-GB"/>
           </a:p>
@@ -1816,7 +1821,7 @@
           <a:p>
             <a:fld id="{7728EA7B-7BA9-4306-8F78-B41430E4B17F}" type="datetimeFigureOut">
               <a:rPr lang="en-GB" smtClean="0"/>
-              <a:t>01/05/2023</a:t>
+              <a:t>10/05/2023</a:t>
             </a:fld>
             <a:endParaRPr lang="en-GB"/>
           </a:p>
@@ -2093,7 +2098,7 @@
           <a:p>
             <a:fld id="{7728EA7B-7BA9-4306-8F78-B41430E4B17F}" type="datetimeFigureOut">
               <a:rPr lang="en-GB" smtClean="0"/>
-              <a:t>01/05/2023</a:t>
+              <a:t>10/05/2023</a:t>
             </a:fld>
             <a:endParaRPr lang="en-GB"/>
           </a:p>
@@ -2346,7 +2351,7 @@
           <a:p>
             <a:fld id="{7728EA7B-7BA9-4306-8F78-B41430E4B17F}" type="datetimeFigureOut">
               <a:rPr lang="en-GB" smtClean="0"/>
-              <a:t>01/05/2023</a:t>
+              <a:t>10/05/2023</a:t>
             </a:fld>
             <a:endParaRPr lang="en-GB"/>
           </a:p>
@@ -2559,7 +2564,7 @@
           <a:p>
             <a:fld id="{7728EA7B-7BA9-4306-8F78-B41430E4B17F}" type="datetimeFigureOut">
               <a:rPr lang="en-GB" smtClean="0"/>
-              <a:t>01/05/2023</a:t>
+              <a:t>10/05/2023</a:t>
             </a:fld>
             <a:endParaRPr lang="en-GB"/>
           </a:p>
@@ -2973,14 +2978,14 @@
           <p:nvPr>
             <p:extLst>
               <p:ext uri="{D42A27DB-BD31-4B8C-83A1-F6EECF244321}">
-                <p14:modId xmlns:p14="http://schemas.microsoft.com/office/powerpoint/2010/main" val="2093495345"/>
+                <p14:modId xmlns:p14="http://schemas.microsoft.com/office/powerpoint/2010/main" val="907444534"/>
               </p:ext>
             </p:extLst>
           </p:nvPr>
         </p:nvGraphicFramePr>
         <p:xfrm>
-          <a:off x="-1" y="0"/>
-          <a:ext cx="12192001" cy="9113520"/>
+          <a:off x="0" y="2"/>
+          <a:ext cx="12208013" cy="6858001"/>
         </p:xfrm>
         <a:graphic>
           <a:graphicData uri="http://schemas.openxmlformats.org/drawingml/2006/table">
@@ -2989,83 +2994,126 @@
                 <a:tableStyleId>{5C22544A-7EE6-4342-B048-85BDC9FD1C3A}</a:tableStyleId>
               </a:tblPr>
               <a:tblGrid>
-                <a:gridCol w="1385944">
+                <a:gridCol w="1842655">
                   <a:extLst>
                     <a:ext uri="{9D8B030D-6E8A-4147-A177-3AD203B41FA5}">
                       <a16:colId xmlns:a16="http://schemas.microsoft.com/office/drawing/2014/main" val="792352031"/>
                     </a:ext>
                   </a:extLst>
                 </a:gridCol>
-                <a:gridCol w="1052457">
+                <a:gridCol w="969818">
                   <a:extLst>
                     <a:ext uri="{9D8B030D-6E8A-4147-A177-3AD203B41FA5}">
                       <a16:colId xmlns:a16="http://schemas.microsoft.com/office/drawing/2014/main" val="1828100922"/>
                     </a:ext>
                   </a:extLst>
                 </a:gridCol>
-                <a:gridCol w="1219200">
+                <a:gridCol w="671110">
                   <a:extLst>
                     <a:ext uri="{9D8B030D-6E8A-4147-A177-3AD203B41FA5}">
                       <a16:colId xmlns:a16="http://schemas.microsoft.com/office/drawing/2014/main" val="648294141"/>
                     </a:ext>
                   </a:extLst>
                 </a:gridCol>
-                <a:gridCol w="1219200">
+                <a:gridCol w="671110">
                   <a:extLst>
                     <a:ext uri="{9D8B030D-6E8A-4147-A177-3AD203B41FA5}">
                       <a16:colId xmlns:a16="http://schemas.microsoft.com/office/drawing/2014/main" val="3646972940"/>
                     </a:ext>
                   </a:extLst>
                 </a:gridCol>
-                <a:gridCol w="1219200">
+                <a:gridCol w="671110">
                   <a:extLst>
                     <a:ext uri="{9D8B030D-6E8A-4147-A177-3AD203B41FA5}">
                       <a16:colId xmlns:a16="http://schemas.microsoft.com/office/drawing/2014/main" val="2311571016"/>
                     </a:ext>
                   </a:extLst>
                 </a:gridCol>
-                <a:gridCol w="1219200">
+                <a:gridCol w="671110">
                   <a:extLst>
                     <a:ext uri="{9D8B030D-6E8A-4147-A177-3AD203B41FA5}">
                       <a16:colId xmlns:a16="http://schemas.microsoft.com/office/drawing/2014/main" val="387943244"/>
                     </a:ext>
                   </a:extLst>
                 </a:gridCol>
-                <a:gridCol w="1219200">
+                <a:gridCol w="671110">
+                  <a:extLst>
+                    <a:ext uri="{9D8B030D-6E8A-4147-A177-3AD203B41FA5}">
+                      <a16:colId xmlns:a16="http://schemas.microsoft.com/office/drawing/2014/main" val="694744668"/>
+                    </a:ext>
+                  </a:extLst>
+                </a:gridCol>
+                <a:gridCol w="671110">
                   <a:extLst>
                     <a:ext uri="{9D8B030D-6E8A-4147-A177-3AD203B41FA5}">
                       <a16:colId xmlns:a16="http://schemas.microsoft.com/office/drawing/2014/main" val="4191007757"/>
                     </a:ext>
                   </a:extLst>
                 </a:gridCol>
-                <a:gridCol w="1219200">
+                <a:gridCol w="671110">
                   <a:extLst>
                     <a:ext uri="{9D8B030D-6E8A-4147-A177-3AD203B41FA5}">
                       <a16:colId xmlns:a16="http://schemas.microsoft.com/office/drawing/2014/main" val="3150340014"/>
                     </a:ext>
                   </a:extLst>
                 </a:gridCol>
-                <a:gridCol w="1219200">
+                <a:gridCol w="671110">
                   <a:extLst>
                     <a:ext uri="{9D8B030D-6E8A-4147-A177-3AD203B41FA5}">
                       <a16:colId xmlns:a16="http://schemas.microsoft.com/office/drawing/2014/main" val="3957322121"/>
                     </a:ext>
                   </a:extLst>
                 </a:gridCol>
-                <a:gridCol w="1219200">
+                <a:gridCol w="671110">
                   <a:extLst>
                     <a:ext uri="{9D8B030D-6E8A-4147-A177-3AD203B41FA5}">
                       <a16:colId xmlns:a16="http://schemas.microsoft.com/office/drawing/2014/main" val="1308480589"/>
                     </a:ext>
                   </a:extLst>
                 </a:gridCol>
+                <a:gridCol w="671110">
+                  <a:extLst>
+                    <a:ext uri="{9D8B030D-6E8A-4147-A177-3AD203B41FA5}">
+                      <a16:colId xmlns:a16="http://schemas.microsoft.com/office/drawing/2014/main" val="2477687662"/>
+                    </a:ext>
+                  </a:extLst>
+                </a:gridCol>
+                <a:gridCol w="671110">
+                  <a:extLst>
+                    <a:ext uri="{9D8B030D-6E8A-4147-A177-3AD203B41FA5}">
+                      <a16:colId xmlns:a16="http://schemas.microsoft.com/office/drawing/2014/main" val="692066059"/>
+                    </a:ext>
+                  </a:extLst>
+                </a:gridCol>
+                <a:gridCol w="671110">
+                  <a:extLst>
+                    <a:ext uri="{9D8B030D-6E8A-4147-A177-3AD203B41FA5}">
+                      <a16:colId xmlns:a16="http://schemas.microsoft.com/office/drawing/2014/main" val="1786225825"/>
+                    </a:ext>
+                  </a:extLst>
+                </a:gridCol>
+                <a:gridCol w="671110">
+                  <a:extLst>
+                    <a:ext uri="{9D8B030D-6E8A-4147-A177-3AD203B41FA5}">
+                      <a16:colId xmlns:a16="http://schemas.microsoft.com/office/drawing/2014/main" val="1607843332"/>
+                    </a:ext>
+                  </a:extLst>
+                </a:gridCol>
+                <a:gridCol w="671110">
+                  <a:extLst>
+                    <a:ext uri="{9D8B030D-6E8A-4147-A177-3AD203B41FA5}">
+                      <a16:colId xmlns:a16="http://schemas.microsoft.com/office/drawing/2014/main" val="173964380"/>
+                    </a:ext>
+                  </a:extLst>
+                </a:gridCol>
               </a:tblGrid>
-              <a:tr h="171575">
-                <a:tc>
-                  <a:txBody>
-                    <a:bodyPr/>
-                    <a:lstStyle/>
-                    <a:p>
+              <a:tr h="397518">
+                <a:tc>
+                  <a:txBody>
+                    <a:bodyPr/>
+                    <a:lstStyle/>
+                    <a:p>
+                      <a:pPr algn="l"/>
                       <a:r>
                         <a:rPr lang="en-GB" sz="1600" dirty="0" smtClean="0">
                           <a:effectLst>
@@ -3089,13 +3137,14 @@
                       </a:endParaRPr>
                     </a:p>
                   </a:txBody>
-                  <a:tcPr/>
-                </a:tc>
-                <a:tc>
-                  <a:txBody>
-                    <a:bodyPr/>
-                    <a:lstStyle/>
-                    <a:p>
+                  <a:tcPr anchor="ctr"/>
+                </a:tc>
+                <a:tc>
+                  <a:txBody>
+                    <a:bodyPr/>
+                    <a:lstStyle/>
+                    <a:p>
+                      <a:pPr algn="ctr"/>
                       <a:r>
                         <a:rPr lang="en-GB" sz="1600" dirty="0" smtClean="0">
                           <a:effectLst>
@@ -3119,15 +3168,38 @@
                       </a:endParaRPr>
                     </a:p>
                   </a:txBody>
-                  <a:tcPr/>
-                </a:tc>
-                <a:tc>
-                  <a:txBody>
-                    <a:bodyPr/>
-                    <a:lstStyle/>
-                    <a:p>
+                  <a:tcPr anchor="ctr"/>
+                </a:tc>
+                <a:tc>
+                  <a:txBody>
+                    <a:bodyPr/>
+                    <a:lstStyle/>
+                    <a:p>
+                      <a:pPr marL="0" marR="0" lvl="0" indent="0" algn="ctr" defTabSz="914400" rtl="0" eaLnBrk="1" fontAlgn="auto" latinLnBrk="0" hangingPunct="1">
+                        <a:lnSpc>
+                          <a:spcPct val="100000"/>
+                        </a:lnSpc>
+                        <a:spcBef>
+                          <a:spcPts val="0"/>
+                        </a:spcBef>
+                        <a:spcAft>
+                          <a:spcPts val="0"/>
+                        </a:spcAft>
+                        <a:buClrTx/>
+                        <a:buSzTx/>
+                        <a:buFontTx/>
+                        <a:buNone/>
+                        <a:tabLst/>
+                        <a:defRPr/>
+                      </a:pPr>
                       <a:r>
-                        <a:rPr lang="en-GB" sz="1600" dirty="0" smtClean="0">
+                        <a:rPr kumimoji="0" lang="en-GB" sz="1600" b="1" i="0" u="none" strike="noStrike" kern="1200" cap="none" spc="0" normalizeH="0" baseline="0" noProof="0" dirty="0" smtClean="0">
+                          <a:ln>
+                            <a:noFill/>
+                          </a:ln>
+                          <a:solidFill>
+                            <a:prstClr val="white"/>
+                          </a:solidFill>
                           <a:effectLst>
                             <a:outerShdw blurRad="38100" dist="38100" dir="2700000" algn="tl">
                               <a:srgbClr val="000000">
@@ -3135,27 +3207,24 @@
                               </a:srgbClr>
                             </a:outerShdw>
                           </a:effectLst>
+                          <a:uLnTx/>
+                          <a:uFillTx/>
+                          <a:latin typeface="+mn-lt"/>
+                          <a:ea typeface="+mn-ea"/>
+                          <a:cs typeface="+mn-cs"/>
                         </a:rPr>
                         <a:t>28/2</a:t>
                       </a:r>
-                      <a:endParaRPr lang="en-GB" sz="1600" dirty="0">
-                        <a:effectLst>
-                          <a:outerShdw blurRad="38100" dist="38100" dir="2700000" algn="tl">
-                            <a:srgbClr val="000000">
-                              <a:alpha val="43137"/>
-                            </a:srgbClr>
-                          </a:outerShdw>
-                        </a:effectLst>
-                      </a:endParaRPr>
-                    </a:p>
-                  </a:txBody>
-                  <a:tcPr/>
-                </a:tc>
-                <a:tc>
-                  <a:txBody>
-                    <a:bodyPr/>
-                    <a:lstStyle/>
-                    <a:p>
+                    </a:p>
+                  </a:txBody>
+                  <a:tcPr anchor="ctr"/>
+                </a:tc>
+                <a:tc>
+                  <a:txBody>
+                    <a:bodyPr/>
+                    <a:lstStyle/>
+                    <a:p>
+                      <a:pPr algn="ctr"/>
                       <a:r>
                         <a:rPr lang="en-GB" sz="1600" dirty="0" smtClean="0">
                           <a:effectLst>
@@ -3179,13 +3248,14 @@
                       </a:endParaRPr>
                     </a:p>
                   </a:txBody>
-                  <a:tcPr/>
-                </a:tc>
-                <a:tc>
-                  <a:txBody>
-                    <a:bodyPr/>
-                    <a:lstStyle/>
-                    <a:p>
+                  <a:tcPr anchor="ctr"/>
+                </a:tc>
+                <a:tc>
+                  <a:txBody>
+                    <a:bodyPr/>
+                    <a:lstStyle/>
+                    <a:p>
+                      <a:pPr algn="ctr"/>
                       <a:r>
                         <a:rPr lang="en-GB" sz="1600" dirty="0" smtClean="0">
                           <a:effectLst>
@@ -3209,13 +3279,14 @@
                       </a:endParaRPr>
                     </a:p>
                   </a:txBody>
-                  <a:tcPr/>
-                </a:tc>
-                <a:tc>
-                  <a:txBody>
-                    <a:bodyPr/>
-                    <a:lstStyle/>
-                    <a:p>
+                  <a:tcPr anchor="ctr"/>
+                </a:tc>
+                <a:tc>
+                  <a:txBody>
+                    <a:bodyPr/>
+                    <a:lstStyle/>
+                    <a:p>
+                      <a:pPr algn="ctr"/>
                       <a:r>
                         <a:rPr lang="en-GB" sz="1600" dirty="0" smtClean="0">
                           <a:effectLst>
@@ -3239,13 +3310,14 @@
                       </a:endParaRPr>
                     </a:p>
                   </a:txBody>
-                  <a:tcPr/>
-                </a:tc>
-                <a:tc>
-                  <a:txBody>
-                    <a:bodyPr/>
-                    <a:lstStyle/>
-                    <a:p>
+                  <a:tcPr anchor="ctr"/>
+                </a:tc>
+                <a:tc>
+                  <a:txBody>
+                    <a:bodyPr/>
+                    <a:lstStyle/>
+                    <a:p>
+                      <a:pPr algn="ctr"/>
                       <a:r>
                         <a:rPr lang="en-GB" sz="1600" dirty="0" smtClean="0">
                           <a:effectLst>
@@ -3269,13 +3341,14 @@
                       </a:endParaRPr>
                     </a:p>
                   </a:txBody>
-                  <a:tcPr/>
-                </a:tc>
-                <a:tc>
-                  <a:txBody>
-                    <a:bodyPr/>
-                    <a:lstStyle/>
-                    <a:p>
+                  <a:tcPr anchor="ctr"/>
+                </a:tc>
+                <a:tc>
+                  <a:txBody>
+                    <a:bodyPr/>
+                    <a:lstStyle/>
+                    <a:p>
+                      <a:pPr algn="ctr"/>
                       <a:r>
                         <a:rPr lang="en-GB" sz="1600" dirty="0" smtClean="0">
                           <a:effectLst>
@@ -3299,13 +3372,14 @@
                       </a:endParaRPr>
                     </a:p>
                   </a:txBody>
-                  <a:tcPr/>
-                </a:tc>
-                <a:tc>
-                  <a:txBody>
-                    <a:bodyPr/>
-                    <a:lstStyle/>
-                    <a:p>
+                  <a:tcPr anchor="ctr"/>
+                </a:tc>
+                <a:tc>
+                  <a:txBody>
+                    <a:bodyPr/>
+                    <a:lstStyle/>
+                    <a:p>
+                      <a:pPr algn="ctr"/>
                       <a:r>
                         <a:rPr lang="en-GB" sz="1600" dirty="0" smtClean="0">
                           <a:effectLst>
@@ -3316,7 +3390,7 @@
                             </a:outerShdw>
                           </a:effectLst>
                         </a:rPr>
-                        <a:t>17/4</a:t>
+                        <a:t>11/4</a:t>
                       </a:r>
                       <a:endParaRPr lang="en-GB" sz="1600" dirty="0">
                         <a:effectLst>
@@ -3329,13 +3403,14 @@
                       </a:endParaRPr>
                     </a:p>
                   </a:txBody>
-                  <a:tcPr/>
-                </a:tc>
-                <a:tc>
-                  <a:txBody>
-                    <a:bodyPr/>
-                    <a:lstStyle/>
-                    <a:p>
+                  <a:tcPr anchor="ctr"/>
+                </a:tc>
+                <a:tc>
+                  <a:txBody>
+                    <a:bodyPr/>
+                    <a:lstStyle/>
+                    <a:p>
+                      <a:pPr algn="ctr"/>
                       <a:r>
                         <a:rPr lang="en-GB" sz="1600" dirty="0" smtClean="0">
                           <a:effectLst>
@@ -3346,7 +3421,7 @@
                             </a:outerShdw>
                           </a:effectLst>
                         </a:rPr>
-                        <a:t>24/4</a:t>
+                        <a:t>18/4</a:t>
                       </a:r>
                       <a:endParaRPr lang="en-GB" sz="1600" dirty="0">
                         <a:effectLst>
@@ -3359,7 +3434,202 @@
                       </a:endParaRPr>
                     </a:p>
                   </a:txBody>
-                  <a:tcPr/>
+                  <a:tcPr anchor="ctr"/>
+                </a:tc>
+                <a:tc>
+                  <a:txBody>
+                    <a:bodyPr/>
+                    <a:lstStyle/>
+                    <a:p>
+                      <a:pPr algn="ctr"/>
+                      <a:r>
+                        <a:rPr kumimoji="0" lang="en-GB" sz="1600" b="1" i="0" u="none" strike="noStrike" kern="1200" cap="none" spc="0" normalizeH="0" baseline="0" noProof="0" dirty="0" smtClean="0">
+                          <a:ln>
+                            <a:noFill/>
+                          </a:ln>
+                          <a:solidFill>
+                            <a:prstClr val="white"/>
+                          </a:solidFill>
+                          <a:effectLst>
+                            <a:outerShdw blurRad="38100" dist="38100" dir="2700000" algn="tl">
+                              <a:srgbClr val="000000">
+                                <a:alpha val="43137"/>
+                              </a:srgbClr>
+                            </a:outerShdw>
+                          </a:effectLst>
+                          <a:uLnTx/>
+                          <a:uFillTx/>
+                          <a:latin typeface="+mn-lt"/>
+                          <a:ea typeface="+mn-ea"/>
+                          <a:cs typeface="+mn-cs"/>
+                        </a:rPr>
+                        <a:t>25/4</a:t>
+                      </a:r>
+                      <a:endParaRPr lang="en-GB" dirty="0"/>
+                    </a:p>
+                  </a:txBody>
+                  <a:tcPr anchor="ctr"/>
+                </a:tc>
+                <a:tc>
+                  <a:txBody>
+                    <a:bodyPr/>
+                    <a:lstStyle/>
+                    <a:p>
+                      <a:pPr algn="ctr"/>
+                      <a:r>
+                        <a:rPr kumimoji="0" lang="en-GB" sz="1600" b="1" i="0" u="none" strike="noStrike" kern="1200" cap="none" spc="0" normalizeH="0" baseline="0" noProof="0" dirty="0" smtClean="0">
+                          <a:ln>
+                            <a:noFill/>
+                          </a:ln>
+                          <a:solidFill>
+                            <a:prstClr val="white"/>
+                          </a:solidFill>
+                          <a:effectLst>
+                            <a:outerShdw blurRad="38100" dist="38100" dir="2700000" algn="tl">
+                              <a:srgbClr val="000000">
+                                <a:alpha val="43137"/>
+                              </a:srgbClr>
+                            </a:outerShdw>
+                          </a:effectLst>
+                          <a:uLnTx/>
+                          <a:uFillTx/>
+                          <a:latin typeface="+mn-lt"/>
+                          <a:ea typeface="+mn-ea"/>
+                          <a:cs typeface="+mn-cs"/>
+                        </a:rPr>
+                        <a:t>2/5</a:t>
+                      </a:r>
+                      <a:endParaRPr lang="en-GB" dirty="0"/>
+                    </a:p>
+                  </a:txBody>
+                  <a:tcPr anchor="ctr"/>
+                </a:tc>
+                <a:tc>
+                  <a:txBody>
+                    <a:bodyPr/>
+                    <a:lstStyle/>
+                    <a:p>
+                      <a:pPr algn="ctr"/>
+                      <a:r>
+                        <a:rPr kumimoji="0" lang="en-GB" sz="1600" b="1" i="0" u="none" strike="noStrike" kern="1200" cap="none" spc="0" normalizeH="0" baseline="0" noProof="0" dirty="0" smtClean="0">
+                          <a:ln>
+                            <a:noFill/>
+                          </a:ln>
+                          <a:solidFill>
+                            <a:prstClr val="white"/>
+                          </a:solidFill>
+                          <a:effectLst>
+                            <a:outerShdw blurRad="38100" dist="38100" dir="2700000" algn="tl">
+                              <a:srgbClr val="000000">
+                                <a:alpha val="43137"/>
+                              </a:srgbClr>
+                            </a:outerShdw>
+                          </a:effectLst>
+                          <a:uLnTx/>
+                          <a:uFillTx/>
+                          <a:latin typeface="+mn-lt"/>
+                          <a:ea typeface="+mn-ea"/>
+                          <a:cs typeface="+mn-cs"/>
+                        </a:rPr>
+                        <a:t>8/5</a:t>
+                      </a:r>
+                      <a:endParaRPr lang="en-GB" dirty="0"/>
+                    </a:p>
+                  </a:txBody>
+                  <a:tcPr anchor="ctr"/>
+                </a:tc>
+                <a:tc>
+                  <a:txBody>
+                    <a:bodyPr/>
+                    <a:lstStyle/>
+                    <a:p>
+                      <a:pPr algn="ctr"/>
+                      <a:r>
+                        <a:rPr lang="en-GB" sz="1600" dirty="0" smtClean="0">
+                          <a:effectLst>
+                            <a:outerShdw blurRad="38100" dist="38100" dir="2700000" algn="tl">
+                              <a:srgbClr val="000000">
+                                <a:alpha val="43137"/>
+                              </a:srgbClr>
+                            </a:outerShdw>
+                          </a:effectLst>
+                        </a:rPr>
+                        <a:t>15/5</a:t>
+                      </a:r>
+                      <a:endParaRPr lang="en-GB" sz="1600" dirty="0">
+                        <a:effectLst>
+                          <a:outerShdw blurRad="38100" dist="38100" dir="2700000" algn="tl">
+                            <a:srgbClr val="000000">
+                              <a:alpha val="43137"/>
+                            </a:srgbClr>
+                          </a:outerShdw>
+                        </a:effectLst>
+                      </a:endParaRPr>
+                    </a:p>
+                  </a:txBody>
+                  <a:tcPr anchor="ctr"/>
+                </a:tc>
+                <a:tc>
+                  <a:txBody>
+                    <a:bodyPr/>
+                    <a:lstStyle/>
+                    <a:p>
+                      <a:pPr algn="ctr"/>
+                      <a:r>
+                        <a:rPr lang="en-GB" sz="1600" dirty="0" smtClean="0">
+                          <a:effectLst>
+                            <a:outerShdw blurRad="38100" dist="38100" dir="2700000" algn="tl">
+                              <a:srgbClr val="000000">
+                                <a:alpha val="43137"/>
+                              </a:srgbClr>
+                            </a:outerShdw>
+                          </a:effectLst>
+                        </a:rPr>
+                        <a:t>22/5</a:t>
+                      </a:r>
+                      <a:endParaRPr lang="en-GB" sz="1600" dirty="0">
+                        <a:effectLst>
+                          <a:outerShdw blurRad="38100" dist="38100" dir="2700000" algn="tl">
+                            <a:srgbClr val="000000">
+                              <a:alpha val="43137"/>
+                            </a:srgbClr>
+                          </a:outerShdw>
+                        </a:effectLst>
+                      </a:endParaRPr>
+                    </a:p>
+                  </a:txBody>
+                  <a:tcPr anchor="ctr"/>
+                </a:tc>
+                <a:tc>
+                  <a:txBody>
+                    <a:bodyPr/>
+                    <a:lstStyle/>
+                    <a:p>
+                      <a:pPr algn="ctr"/>
+                      <a:r>
+                        <a:rPr lang="en-GB" sz="1600" dirty="0" smtClean="0">
+                          <a:effectLst>
+                            <a:outerShdw blurRad="38100" dist="38100" dir="2700000" algn="tl">
+                              <a:srgbClr val="000000">
+                                <a:alpha val="43137"/>
+                              </a:srgbClr>
+                            </a:outerShdw>
+                          </a:effectLst>
+                        </a:rPr>
+                        <a:t>29/5</a:t>
+                      </a:r>
+                      <a:endParaRPr lang="en-GB" sz="1600" dirty="0">
+                        <a:effectLst>
+                          <a:outerShdw blurRad="38100" dist="38100" dir="2700000" algn="tl">
+                            <a:srgbClr val="000000">
+                              <a:alpha val="43137"/>
+                            </a:srgbClr>
+                          </a:outerShdw>
+                        </a:effectLst>
+                      </a:endParaRPr>
+                    </a:p>
+                  </a:txBody>
+                  <a:tcPr anchor="ctr"/>
                 </a:tc>
                 <a:extLst>
                   <a:ext uri="{0D108BD9-81ED-4DB2-BD59-A6C34878D82A}">
@@ -3367,12 +3637,13 @@
                   </a:ext>
                 </a:extLst>
               </a:tr>
-              <a:tr h="271660">
-                <a:tc>
-                  <a:txBody>
-                    <a:bodyPr/>
-                    <a:lstStyle/>
-                    <a:p>
+              <a:tr h="575017">
+                <a:tc>
+                  <a:txBody>
+                    <a:bodyPr/>
+                    <a:lstStyle/>
+                    <a:p>
+                      <a:pPr algn="l"/>
                       <a:r>
                         <a:rPr lang="en-GB" sz="1400" dirty="0" smtClean="0"/>
                         <a:t>Welcome and project brief</a:t>
@@ -3380,13 +3651,14 @@
                       <a:endParaRPr lang="en-GB" sz="1400" dirty="0"/>
                     </a:p>
                   </a:txBody>
-                  <a:tcPr/>
-                </a:tc>
-                <a:tc>
-                  <a:txBody>
-                    <a:bodyPr/>
-                    <a:lstStyle/>
-                    <a:p>
+                  <a:tcPr anchor="ctr"/>
+                </a:tc>
+                <a:tc>
+                  <a:txBody>
+                    <a:bodyPr/>
+                    <a:lstStyle/>
+                    <a:p>
+                      <a:pPr algn="ctr"/>
                       <a:r>
                         <a:rPr lang="en-GB" sz="1400" dirty="0" smtClean="0"/>
                         <a:t>1 week</a:t>
@@ -3394,87 +3666,161 @@
                       <a:endParaRPr lang="en-GB" sz="1400" dirty="0"/>
                     </a:p>
                   </a:txBody>
-                  <a:tcPr/>
-                </a:tc>
-                <a:tc>
-                  <a:txBody>
-                    <a:bodyPr/>
-                    <a:lstStyle/>
-                    <a:p>
+                  <a:tcPr anchor="ctr"/>
+                </a:tc>
+                <a:tc>
+                  <a:txBody>
+                    <a:bodyPr/>
+                    <a:lstStyle/>
+                    <a:p>
+                      <a:pPr algn="ctr"/>
+                      <a:endParaRPr lang="en-GB" sz="1400" dirty="0"/>
+                    </a:p>
+                  </a:txBody>
+                  <a:tcPr anchor="ctr"/>
+                </a:tc>
+                <a:tc>
+                  <a:txBody>
+                    <a:bodyPr/>
+                    <a:lstStyle/>
+                    <a:p>
+                      <a:pPr algn="ctr"/>
+                      <a:endParaRPr lang="en-GB" sz="1400" dirty="0"/>
+                    </a:p>
+                  </a:txBody>
+                  <a:tcPr anchor="ctr"/>
+                </a:tc>
+                <a:tc>
+                  <a:txBody>
+                    <a:bodyPr/>
+                    <a:lstStyle/>
+                    <a:p>
+                      <a:pPr algn="ctr"/>
+                      <a:endParaRPr lang="en-GB" sz="1400" dirty="0"/>
+                    </a:p>
+                  </a:txBody>
+                  <a:tcPr anchor="ctr"/>
+                </a:tc>
+                <a:tc>
+                  <a:txBody>
+                    <a:bodyPr/>
+                    <a:lstStyle/>
+                    <a:p>
+                      <a:pPr algn="ctr"/>
                       <a:endParaRPr lang="en-GB" sz="1400"/>
                     </a:p>
                   </a:txBody>
-                  <a:tcPr/>
-                </a:tc>
-                <a:tc>
-                  <a:txBody>
-                    <a:bodyPr/>
-                    <a:lstStyle/>
-                    <a:p>
+                  <a:tcPr anchor="ctr"/>
+                </a:tc>
+                <a:tc>
+                  <a:txBody>
+                    <a:bodyPr/>
+                    <a:lstStyle/>
+                    <a:p>
+                      <a:pPr algn="ctr"/>
                       <a:endParaRPr lang="en-GB" sz="1400"/>
                     </a:p>
                   </a:txBody>
-                  <a:tcPr/>
-                </a:tc>
-                <a:tc>
-                  <a:txBody>
-                    <a:bodyPr/>
-                    <a:lstStyle/>
-                    <a:p>
+                  <a:tcPr anchor="ctr"/>
+                </a:tc>
+                <a:tc>
+                  <a:txBody>
+                    <a:bodyPr/>
+                    <a:lstStyle/>
+                    <a:p>
+                      <a:pPr algn="ctr"/>
+                      <a:endParaRPr lang="en-GB" sz="1400" dirty="0"/>
+                    </a:p>
+                  </a:txBody>
+                  <a:tcPr anchor="ctr"/>
+                </a:tc>
+                <a:tc>
+                  <a:txBody>
+                    <a:bodyPr/>
+                    <a:lstStyle/>
+                    <a:p>
+                      <a:pPr algn="ctr"/>
+                      <a:endParaRPr lang="en-GB" sz="1400" dirty="0"/>
+                    </a:p>
+                  </a:txBody>
+                  <a:tcPr anchor="ctr"/>
+                </a:tc>
+                <a:tc>
+                  <a:txBody>
+                    <a:bodyPr/>
+                    <a:lstStyle/>
+                    <a:p>
+                      <a:pPr algn="ctr"/>
                       <a:endParaRPr lang="en-GB" sz="1400"/>
                     </a:p>
                   </a:txBody>
-                  <a:tcPr/>
-                </a:tc>
-                <a:tc>
-                  <a:txBody>
-                    <a:bodyPr/>
-                    <a:lstStyle/>
-                    <a:p>
-                      <a:endParaRPr lang="en-GB" sz="1400"/>
-                    </a:p>
-                  </a:txBody>
-                  <a:tcPr/>
-                </a:tc>
-                <a:tc>
-                  <a:txBody>
-                    <a:bodyPr/>
-                    <a:lstStyle/>
-                    <a:p>
-                      <a:endParaRPr lang="en-GB" sz="1400"/>
-                    </a:p>
-                  </a:txBody>
-                  <a:tcPr/>
-                </a:tc>
-                <a:tc>
-                  <a:txBody>
-                    <a:bodyPr/>
-                    <a:lstStyle/>
-                    <a:p>
-                      <a:endParaRPr lang="en-GB" sz="1400" dirty="0"/>
-                    </a:p>
-                  </a:txBody>
-                  <a:tcPr/>
-                </a:tc>
-                <a:tc>
-                  <a:txBody>
-                    <a:bodyPr/>
-                    <a:lstStyle/>
-                    <a:p>
-                      <a:endParaRPr lang="en-GB" sz="1400"/>
-                    </a:p>
-                  </a:txBody>
-                  <a:tcPr/>
-                </a:tc>
-                <a:tc>
-                  <a:txBody>
-                    <a:bodyPr/>
-                    <a:lstStyle/>
-                    <a:p>
-                      <a:endParaRPr lang="en-GB" sz="1400" dirty="0"/>
-                    </a:p>
-                  </a:txBody>
-                  <a:tcPr/>
+                  <a:tcPr anchor="ctr"/>
+                </a:tc>
+                <a:tc>
+                  <a:txBody>
+                    <a:bodyPr/>
+                    <a:lstStyle/>
+                    <a:p>
+                      <a:pPr algn="ctr"/>
+                      <a:endParaRPr lang="en-GB" sz="1400" dirty="0"/>
+                    </a:p>
+                  </a:txBody>
+                  <a:tcPr anchor="ctr"/>
+                </a:tc>
+                <a:tc>
+                  <a:txBody>
+                    <a:bodyPr/>
+                    <a:lstStyle/>
+                    <a:p>
+                      <a:pPr algn="ctr"/>
+                      <a:endParaRPr lang="en-GB" sz="1400" dirty="0"/>
+                    </a:p>
+                  </a:txBody>
+                  <a:tcPr anchor="ctr"/>
+                </a:tc>
+                <a:tc>
+                  <a:txBody>
+                    <a:bodyPr/>
+                    <a:lstStyle/>
+                    <a:p>
+                      <a:pPr algn="ctr"/>
+                      <a:endParaRPr lang="en-GB" sz="1400" dirty="0"/>
+                    </a:p>
+                  </a:txBody>
+                  <a:tcPr anchor="ctr"/>
+                </a:tc>
+                <a:tc>
+                  <a:txBody>
+                    <a:bodyPr/>
+                    <a:lstStyle/>
+                    <a:p>
+                      <a:pPr algn="ctr"/>
+                      <a:endParaRPr lang="en-GB" sz="1400" dirty="0"/>
+                    </a:p>
+                  </a:txBody>
+                  <a:tcPr anchor="ctr"/>
+                </a:tc>
+                <a:tc>
+                  <a:txBody>
+                    <a:bodyPr/>
+                    <a:lstStyle/>
+                    <a:p>
+                      <a:pPr algn="ctr"/>
+                      <a:endParaRPr lang="en-GB" sz="1400" dirty="0"/>
+                    </a:p>
+                  </a:txBody>
+                  <a:tcPr anchor="ctr"/>
+                </a:tc>
+                <a:tc>
+                  <a:txBody>
+                    <a:bodyPr/>
+                    <a:lstStyle/>
+                    <a:p>
+                      <a:pPr algn="ctr"/>
+                      <a:endParaRPr lang="en-GB" sz="1400" dirty="0"/>
+                    </a:p>
+                  </a:txBody>
+                  <a:tcPr anchor="ctr"/>
                 </a:tc>
                 <a:extLst>
                   <a:ext uri="{0D108BD9-81ED-4DB2-BD59-A6C34878D82A}">
@@ -3482,7 +3828,7 @@
                   </a:ext>
                 </a:extLst>
               </a:tr>
-              <a:tr h="614809">
+              <a:tr h="811788">
                 <a:tc>
                   <a:txBody>
                     <a:bodyPr/>
@@ -3518,18 +3864,15 @@
                         <a:t>Conduct user research and gather requirements</a:t>
                       </a:r>
                     </a:p>
-                    <a:p>
-                      <a:endParaRPr lang="en-GB" sz="1400" dirty="0"/>
-                    </a:p>
-                  </a:txBody>
-                  <a:tcPr/>
-                </a:tc>
-                <a:tc>
-                  <a:txBody>
-                    <a:bodyPr/>
-                    <a:lstStyle/>
-                    <a:p>
-                      <a:pPr marL="0" marR="0" indent="0" algn="l" defTabSz="914400" rtl="0" eaLnBrk="1" fontAlgn="auto" latinLnBrk="0" hangingPunct="1">
+                  </a:txBody>
+                  <a:tcPr anchor="ctr"/>
+                </a:tc>
+                <a:tc>
+                  <a:txBody>
+                    <a:bodyPr/>
+                    <a:lstStyle/>
+                    <a:p>
+                      <a:pPr marL="0" marR="0" indent="0" algn="ctr" defTabSz="914400" rtl="0" eaLnBrk="1" fontAlgn="auto" latinLnBrk="0" hangingPunct="1">
                         <a:lnSpc>
                           <a:spcPct val="100000"/>
                         </a:lnSpc>
@@ -3552,90 +3895,165 @@
                       </a:r>
                     </a:p>
                     <a:p>
-                      <a:endParaRPr lang="en-GB" sz="1400" dirty="0"/>
-                    </a:p>
-                  </a:txBody>
-                  <a:tcPr/>
-                </a:tc>
-                <a:tc>
-                  <a:txBody>
-                    <a:bodyPr/>
-                    <a:lstStyle/>
-                    <a:p>
-                      <a:endParaRPr lang="en-GB" sz="1400" dirty="0"/>
-                    </a:p>
-                  </a:txBody>
-                  <a:tcPr/>
-                </a:tc>
-                <a:tc>
-                  <a:txBody>
-                    <a:bodyPr/>
-                    <a:lstStyle/>
-                    <a:p>
-                      <a:endParaRPr lang="en-GB" sz="1400" dirty="0"/>
-                    </a:p>
-                  </a:txBody>
-                  <a:tcPr/>
-                </a:tc>
-                <a:tc>
-                  <a:txBody>
-                    <a:bodyPr/>
-                    <a:lstStyle/>
-                    <a:p>
-                      <a:endParaRPr lang="en-GB" sz="1400" dirty="0"/>
-                    </a:p>
-                  </a:txBody>
-                  <a:tcPr/>
-                </a:tc>
-                <a:tc>
-                  <a:txBody>
-                    <a:bodyPr/>
-                    <a:lstStyle/>
-                    <a:p>
+                      <a:pPr algn="ctr"/>
+                      <a:endParaRPr lang="en-GB" sz="1400" dirty="0"/>
+                    </a:p>
+                  </a:txBody>
+                  <a:tcPr anchor="ctr"/>
+                </a:tc>
+                <a:tc>
+                  <a:txBody>
+                    <a:bodyPr/>
+                    <a:lstStyle/>
+                    <a:p>
+                      <a:pPr algn="ctr"/>
+                      <a:endParaRPr lang="en-GB" sz="1400" dirty="0"/>
+                    </a:p>
+                  </a:txBody>
+                  <a:tcPr anchor="ctr"/>
+                </a:tc>
+                <a:tc>
+                  <a:txBody>
+                    <a:bodyPr/>
+                    <a:lstStyle/>
+                    <a:p>
+                      <a:pPr algn="ctr"/>
+                      <a:endParaRPr lang="en-GB" sz="1400" dirty="0"/>
+                    </a:p>
+                  </a:txBody>
+                  <a:tcPr anchor="ctr"/>
+                </a:tc>
+                <a:tc>
+                  <a:txBody>
+                    <a:bodyPr/>
+                    <a:lstStyle/>
+                    <a:p>
+                      <a:pPr algn="ctr"/>
+                      <a:endParaRPr lang="en-GB" sz="1400" dirty="0"/>
+                    </a:p>
+                  </a:txBody>
+                  <a:tcPr anchor="ctr"/>
+                </a:tc>
+                <a:tc>
+                  <a:txBody>
+                    <a:bodyPr/>
+                    <a:lstStyle/>
+                    <a:p>
+                      <a:pPr algn="ctr"/>
+                      <a:endParaRPr lang="en-GB" sz="1400" dirty="0"/>
+                    </a:p>
+                  </a:txBody>
+                  <a:tcPr anchor="ctr"/>
+                </a:tc>
+                <a:tc>
+                  <a:txBody>
+                    <a:bodyPr/>
+                    <a:lstStyle/>
+                    <a:p>
+                      <a:pPr algn="ctr"/>
+                      <a:endParaRPr lang="en-GB" sz="1400" dirty="0"/>
+                    </a:p>
+                  </a:txBody>
+                  <a:tcPr anchor="ctr"/>
+                </a:tc>
+                <a:tc>
+                  <a:txBody>
+                    <a:bodyPr/>
+                    <a:lstStyle/>
+                    <a:p>
+                      <a:pPr algn="ctr"/>
                       <a:endParaRPr lang="en-GB" sz="1400"/>
                     </a:p>
                   </a:txBody>
-                  <a:tcPr/>
-                </a:tc>
-                <a:tc>
-                  <a:txBody>
-                    <a:bodyPr/>
-                    <a:lstStyle/>
-                    <a:p>
+                  <a:tcPr anchor="ctr"/>
+                </a:tc>
+                <a:tc>
+                  <a:txBody>
+                    <a:bodyPr/>
+                    <a:lstStyle/>
+                    <a:p>
+                      <a:pPr algn="ctr"/>
+                      <a:endParaRPr lang="en-GB" sz="1400" dirty="0"/>
+                    </a:p>
+                  </a:txBody>
+                  <a:tcPr anchor="ctr"/>
+                </a:tc>
+                <a:tc>
+                  <a:txBody>
+                    <a:bodyPr/>
+                    <a:lstStyle/>
+                    <a:p>
+                      <a:pPr algn="ctr"/>
                       <a:endParaRPr lang="en-GB" sz="1400"/>
                     </a:p>
                   </a:txBody>
-                  <a:tcPr/>
-                </a:tc>
-                <a:tc>
-                  <a:txBody>
-                    <a:bodyPr/>
-                    <a:lstStyle/>
-                    <a:p>
-                      <a:endParaRPr lang="en-GB" sz="1400" dirty="0"/>
-                    </a:p>
-                  </a:txBody>
-                  <a:tcPr/>
-                </a:tc>
-                <a:tc>
-                  <a:txBody>
-                    <a:bodyPr/>
-                    <a:lstStyle/>
-                    <a:p>
-                      <a:endParaRPr lang="en-GB" sz="1400"/>
-                    </a:p>
-                  </a:txBody>
-                  <a:tcPr/>
-                </a:tc>
-                <a:tc>
-                  <a:txBody>
-                    <a:bodyPr/>
-                    <a:lstStyle/>
-                    <a:p>
-                      <a:endParaRPr lang="en-GB" sz="1400" dirty="0"/>
-                    </a:p>
-                  </a:txBody>
-                  <a:tcPr/>
+                  <a:tcPr anchor="ctr"/>
+                </a:tc>
+                <a:tc>
+                  <a:txBody>
+                    <a:bodyPr/>
+                    <a:lstStyle/>
+                    <a:p>
+                      <a:pPr algn="ctr"/>
+                      <a:endParaRPr lang="en-GB" sz="1400" dirty="0"/>
+                    </a:p>
+                  </a:txBody>
+                  <a:tcPr anchor="ctr"/>
+                </a:tc>
+                <a:tc>
+                  <a:txBody>
+                    <a:bodyPr/>
+                    <a:lstStyle/>
+                    <a:p>
+                      <a:pPr algn="ctr"/>
+                      <a:endParaRPr lang="en-GB" sz="1400" dirty="0"/>
+                    </a:p>
+                  </a:txBody>
+                  <a:tcPr anchor="ctr"/>
+                </a:tc>
+                <a:tc>
+                  <a:txBody>
+                    <a:bodyPr/>
+                    <a:lstStyle/>
+                    <a:p>
+                      <a:pPr algn="ctr"/>
+                      <a:endParaRPr lang="en-GB" sz="1400" dirty="0"/>
+                    </a:p>
+                  </a:txBody>
+                  <a:tcPr anchor="ctr"/>
+                </a:tc>
+                <a:tc>
+                  <a:txBody>
+                    <a:bodyPr/>
+                    <a:lstStyle/>
+                    <a:p>
+                      <a:pPr algn="ctr"/>
+                      <a:endParaRPr lang="en-GB" sz="1400" dirty="0"/>
+                    </a:p>
+                  </a:txBody>
+                  <a:tcPr anchor="ctr"/>
+                </a:tc>
+                <a:tc>
+                  <a:txBody>
+                    <a:bodyPr/>
+                    <a:lstStyle/>
+                    <a:p>
+                      <a:pPr algn="ctr"/>
+                      <a:endParaRPr lang="en-GB" sz="1400" dirty="0"/>
+                    </a:p>
+                  </a:txBody>
+                  <a:tcPr anchor="ctr"/>
+                </a:tc>
+                <a:tc>
+                  <a:txBody>
+                    <a:bodyPr/>
+                    <a:lstStyle/>
+                    <a:p>
+                      <a:pPr algn="ctr"/>
+                      <a:endParaRPr lang="en-GB" sz="1400" dirty="0"/>
+                    </a:p>
+                  </a:txBody>
+                  <a:tcPr anchor="ctr"/>
                 </a:tc>
                 <a:extLst>
                   <a:ext uri="{0D108BD9-81ED-4DB2-BD59-A6C34878D82A}">
@@ -3643,12 +4061,13 @@
                   </a:ext>
                 </a:extLst>
               </a:tr>
-              <a:tr h="271660">
-                <a:tc>
-                  <a:txBody>
-                    <a:bodyPr/>
-                    <a:lstStyle/>
-                    <a:p>
+              <a:tr h="575017">
+                <a:tc>
+                  <a:txBody>
+                    <a:bodyPr/>
+                    <a:lstStyle/>
+                    <a:p>
+                      <a:pPr algn="l"/>
                       <a:r>
                         <a:rPr lang="en-GB" sz="1400" dirty="0" smtClean="0"/>
                         <a:t>Analysis of existing tools</a:t>
@@ -3656,14 +4075,14 @@
                       <a:endParaRPr lang="en-GB" sz="1400" dirty="0"/>
                     </a:p>
                   </a:txBody>
-                  <a:tcPr/>
-                </a:tc>
-                <a:tc>
-                  <a:txBody>
-                    <a:bodyPr/>
-                    <a:lstStyle/>
-                    <a:p>
-                      <a:pPr marL="0" marR="0" indent="0" algn="l" defTabSz="914400" rtl="0" eaLnBrk="1" fontAlgn="auto" latinLnBrk="0" hangingPunct="1">
+                  <a:tcPr anchor="ctr"/>
+                </a:tc>
+                <a:tc>
+                  <a:txBody>
+                    <a:bodyPr/>
+                    <a:lstStyle/>
+                    <a:p>
+                      <a:pPr marL="0" marR="0" indent="0" algn="ctr" defTabSz="914400" rtl="0" eaLnBrk="1" fontAlgn="auto" latinLnBrk="0" hangingPunct="1">
                         <a:lnSpc>
                           <a:spcPct val="100000"/>
                         </a:lnSpc>
@@ -3686,90 +4105,165 @@
                       </a:r>
                     </a:p>
                     <a:p>
-                      <a:endParaRPr lang="en-GB" sz="1400" dirty="0"/>
-                    </a:p>
-                  </a:txBody>
-                  <a:tcPr/>
-                </a:tc>
-                <a:tc>
-                  <a:txBody>
-                    <a:bodyPr/>
-                    <a:lstStyle/>
-                    <a:p>
+                      <a:pPr algn="ctr"/>
+                      <a:endParaRPr lang="en-GB" sz="1400" dirty="0"/>
+                    </a:p>
+                  </a:txBody>
+                  <a:tcPr anchor="ctr"/>
+                </a:tc>
+                <a:tc>
+                  <a:txBody>
+                    <a:bodyPr/>
+                    <a:lstStyle/>
+                    <a:p>
+                      <a:pPr algn="ctr"/>
                       <a:endParaRPr lang="en-GB" sz="1400"/>
                     </a:p>
                   </a:txBody>
-                  <a:tcPr/>
-                </a:tc>
-                <a:tc>
-                  <a:txBody>
-                    <a:bodyPr/>
-                    <a:lstStyle/>
-                    <a:p>
+                  <a:tcPr anchor="ctr"/>
+                </a:tc>
+                <a:tc>
+                  <a:txBody>
+                    <a:bodyPr/>
+                    <a:lstStyle/>
+                    <a:p>
+                      <a:pPr algn="ctr"/>
+                      <a:endParaRPr lang="en-GB" sz="1400" dirty="0"/>
+                    </a:p>
+                  </a:txBody>
+                  <a:tcPr anchor="ctr"/>
+                </a:tc>
+                <a:tc>
+                  <a:txBody>
+                    <a:bodyPr/>
+                    <a:lstStyle/>
+                    <a:p>
+                      <a:pPr algn="ctr"/>
+                      <a:endParaRPr lang="en-GB" sz="1400" dirty="0"/>
+                    </a:p>
+                  </a:txBody>
+                  <a:tcPr anchor="ctr"/>
+                </a:tc>
+                <a:tc>
+                  <a:txBody>
+                    <a:bodyPr/>
+                    <a:lstStyle/>
+                    <a:p>
+                      <a:pPr algn="ctr"/>
+                      <a:endParaRPr lang="en-GB" sz="1400" dirty="0"/>
+                    </a:p>
+                  </a:txBody>
+                  <a:tcPr anchor="ctr"/>
+                </a:tc>
+                <a:tc>
+                  <a:txBody>
+                    <a:bodyPr/>
+                    <a:lstStyle/>
+                    <a:p>
+                      <a:pPr algn="ctr"/>
+                      <a:endParaRPr lang="en-GB" sz="1400" dirty="0"/>
+                    </a:p>
+                  </a:txBody>
+                  <a:tcPr anchor="ctr"/>
+                </a:tc>
+                <a:tc>
+                  <a:txBody>
+                    <a:bodyPr/>
+                    <a:lstStyle/>
+                    <a:p>
+                      <a:pPr algn="ctr"/>
                       <a:endParaRPr lang="en-GB" sz="1400"/>
                     </a:p>
                   </a:txBody>
-                  <a:tcPr/>
-                </a:tc>
-                <a:tc>
-                  <a:txBody>
-                    <a:bodyPr/>
-                    <a:lstStyle/>
-                    <a:p>
-                      <a:endParaRPr lang="en-GB" sz="1400" dirty="0"/>
-                    </a:p>
-                  </a:txBody>
-                  <a:tcPr/>
-                </a:tc>
-                <a:tc>
-                  <a:txBody>
-                    <a:bodyPr/>
-                    <a:lstStyle/>
-                    <a:p>
+                  <a:tcPr anchor="ctr"/>
+                </a:tc>
+                <a:tc>
+                  <a:txBody>
+                    <a:bodyPr/>
+                    <a:lstStyle/>
+                    <a:p>
+                      <a:pPr algn="ctr"/>
                       <a:endParaRPr lang="en-GB" sz="1400"/>
                     </a:p>
                   </a:txBody>
-                  <a:tcPr/>
-                </a:tc>
-                <a:tc>
-                  <a:txBody>
-                    <a:bodyPr/>
-                    <a:lstStyle/>
-                    <a:p>
+                  <a:tcPr anchor="ctr"/>
+                </a:tc>
+                <a:tc>
+                  <a:txBody>
+                    <a:bodyPr/>
+                    <a:lstStyle/>
+                    <a:p>
+                      <a:pPr algn="ctr"/>
                       <a:endParaRPr lang="en-GB" sz="1400"/>
                     </a:p>
                   </a:txBody>
-                  <a:tcPr/>
-                </a:tc>
-                <a:tc>
-                  <a:txBody>
-                    <a:bodyPr/>
-                    <a:lstStyle/>
-                    <a:p>
+                  <a:tcPr anchor="ctr"/>
+                </a:tc>
+                <a:tc>
+                  <a:txBody>
+                    <a:bodyPr/>
+                    <a:lstStyle/>
+                    <a:p>
+                      <a:pPr algn="ctr"/>
                       <a:endParaRPr lang="en-GB" sz="1400"/>
                     </a:p>
                   </a:txBody>
-                  <a:tcPr/>
-                </a:tc>
-                <a:tc>
-                  <a:txBody>
-                    <a:bodyPr/>
-                    <a:lstStyle/>
-                    <a:p>
+                  <a:tcPr anchor="ctr"/>
+                </a:tc>
+                <a:tc>
+                  <a:txBody>
+                    <a:bodyPr/>
+                    <a:lstStyle/>
+                    <a:p>
+                      <a:pPr algn="ctr"/>
                       <a:endParaRPr lang="en-GB" sz="1400"/>
                     </a:p>
                   </a:txBody>
-                  <a:tcPr/>
-                </a:tc>
-                <a:tc>
-                  <a:txBody>
-                    <a:bodyPr/>
-                    <a:lstStyle/>
-                    <a:p>
+                  <a:tcPr anchor="ctr"/>
+                </a:tc>
+                <a:tc>
+                  <a:txBody>
+                    <a:bodyPr/>
+                    <a:lstStyle/>
+                    <a:p>
+                      <a:pPr algn="ctr"/>
                       <a:endParaRPr lang="en-GB" sz="1400"/>
                     </a:p>
                   </a:txBody>
-                  <a:tcPr/>
+                  <a:tcPr anchor="ctr"/>
+                </a:tc>
+                <a:tc>
+                  <a:txBody>
+                    <a:bodyPr/>
+                    <a:lstStyle/>
+                    <a:p>
+                      <a:pPr algn="ctr"/>
+                      <a:endParaRPr lang="en-GB" sz="1400"/>
+                    </a:p>
+                  </a:txBody>
+                  <a:tcPr anchor="ctr"/>
+                </a:tc>
+                <a:tc>
+                  <a:txBody>
+                    <a:bodyPr/>
+                    <a:lstStyle/>
+                    <a:p>
+                      <a:pPr algn="ctr"/>
+                      <a:endParaRPr lang="en-GB" sz="1400" dirty="0"/>
+                    </a:p>
+                  </a:txBody>
+                  <a:tcPr anchor="ctr"/>
+                </a:tc>
+                <a:tc>
+                  <a:txBody>
+                    <a:bodyPr/>
+                    <a:lstStyle/>
+                    <a:p>
+                      <a:pPr algn="ctr"/>
+                      <a:endParaRPr lang="en-GB" sz="1400"/>
+                    </a:p>
+                  </a:txBody>
+                  <a:tcPr anchor="ctr"/>
                 </a:tc>
                 <a:extLst>
                   <a:ext uri="{0D108BD9-81ED-4DB2-BD59-A6C34878D82A}">
@@ -3777,7 +4271,7 @@
                   </a:ext>
                 </a:extLst>
               </a:tr>
-              <a:tr h="500426">
+              <a:tr h="575017">
                 <a:tc>
                   <a:txBody>
                     <a:bodyPr/>
@@ -3813,18 +4307,15 @@
                         <a:t>Develop project plan and timeline</a:t>
                       </a:r>
                     </a:p>
-                    <a:p>
-                      <a:endParaRPr lang="en-GB" sz="1400" dirty="0"/>
-                    </a:p>
-                  </a:txBody>
-                  <a:tcPr/>
-                </a:tc>
-                <a:tc>
-                  <a:txBody>
-                    <a:bodyPr/>
-                    <a:lstStyle/>
-                    <a:p>
-                      <a:pPr marL="0" marR="0" indent="0" algn="l" defTabSz="914400" rtl="0" eaLnBrk="1" fontAlgn="auto" latinLnBrk="0" hangingPunct="1">
+                  </a:txBody>
+                  <a:tcPr anchor="ctr"/>
+                </a:tc>
+                <a:tc>
+                  <a:txBody>
+                    <a:bodyPr/>
+                    <a:lstStyle/>
+                    <a:p>
+                      <a:pPr marL="0" marR="0" indent="0" algn="ctr" defTabSz="914400" rtl="0" eaLnBrk="1" fontAlgn="auto" latinLnBrk="0" hangingPunct="1">
                         <a:lnSpc>
                           <a:spcPct val="100000"/>
                         </a:lnSpc>
@@ -3847,90 +4338,165 @@
                       </a:r>
                     </a:p>
                     <a:p>
-                      <a:endParaRPr lang="en-GB" sz="1400" dirty="0"/>
-                    </a:p>
-                  </a:txBody>
-                  <a:tcPr/>
-                </a:tc>
-                <a:tc>
-                  <a:txBody>
-                    <a:bodyPr/>
-                    <a:lstStyle/>
-                    <a:p>
+                      <a:pPr algn="ctr"/>
+                      <a:endParaRPr lang="en-GB" sz="1400" dirty="0"/>
+                    </a:p>
+                  </a:txBody>
+                  <a:tcPr anchor="ctr"/>
+                </a:tc>
+                <a:tc>
+                  <a:txBody>
+                    <a:bodyPr/>
+                    <a:lstStyle/>
+                    <a:p>
+                      <a:pPr algn="ctr"/>
                       <a:endParaRPr lang="en-GB" sz="1400"/>
                     </a:p>
                   </a:txBody>
-                  <a:tcPr/>
-                </a:tc>
-                <a:tc>
-                  <a:txBody>
-                    <a:bodyPr/>
-                    <a:lstStyle/>
-                    <a:p>
+                  <a:tcPr anchor="ctr"/>
+                </a:tc>
+                <a:tc>
+                  <a:txBody>
+                    <a:bodyPr/>
+                    <a:lstStyle/>
+                    <a:p>
+                      <a:pPr algn="ctr"/>
                       <a:endParaRPr lang="en-GB" sz="1400"/>
                     </a:p>
                   </a:txBody>
-                  <a:tcPr/>
-                </a:tc>
-                <a:tc>
-                  <a:txBody>
-                    <a:bodyPr/>
-                    <a:lstStyle/>
-                    <a:p>
+                  <a:tcPr anchor="ctr"/>
+                </a:tc>
+                <a:tc>
+                  <a:txBody>
+                    <a:bodyPr/>
+                    <a:lstStyle/>
+                    <a:p>
+                      <a:pPr algn="ctr"/>
                       <a:endParaRPr lang="en-GB" sz="1400"/>
                     </a:p>
                   </a:txBody>
-                  <a:tcPr/>
-                </a:tc>
-                <a:tc>
-                  <a:txBody>
-                    <a:bodyPr/>
-                    <a:lstStyle/>
-                    <a:p>
-                      <a:endParaRPr lang="en-GB" sz="1400" dirty="0"/>
-                    </a:p>
-                  </a:txBody>
-                  <a:tcPr/>
-                </a:tc>
-                <a:tc>
-                  <a:txBody>
-                    <a:bodyPr/>
-                    <a:lstStyle/>
-                    <a:p>
-                      <a:endParaRPr lang="en-GB" sz="1400" dirty="0"/>
-                    </a:p>
-                  </a:txBody>
-                  <a:tcPr/>
-                </a:tc>
-                <a:tc>
-                  <a:txBody>
-                    <a:bodyPr/>
-                    <a:lstStyle/>
-                    <a:p>
+                  <a:tcPr anchor="ctr"/>
+                </a:tc>
+                <a:tc>
+                  <a:txBody>
+                    <a:bodyPr/>
+                    <a:lstStyle/>
+                    <a:p>
+                      <a:pPr algn="ctr"/>
+                      <a:endParaRPr lang="en-GB" sz="1400" dirty="0"/>
+                    </a:p>
+                  </a:txBody>
+                  <a:tcPr anchor="ctr"/>
+                </a:tc>
+                <a:tc>
+                  <a:txBody>
+                    <a:bodyPr/>
+                    <a:lstStyle/>
+                    <a:p>
+                      <a:pPr algn="ctr"/>
+                      <a:endParaRPr lang="en-GB" sz="1400" dirty="0"/>
+                    </a:p>
+                  </a:txBody>
+                  <a:tcPr anchor="ctr"/>
+                </a:tc>
+                <a:tc>
+                  <a:txBody>
+                    <a:bodyPr/>
+                    <a:lstStyle/>
+                    <a:p>
+                      <a:pPr algn="ctr"/>
+                      <a:endParaRPr lang="en-GB" sz="1400" dirty="0"/>
+                    </a:p>
+                  </a:txBody>
+                  <a:tcPr anchor="ctr"/>
+                </a:tc>
+                <a:tc>
+                  <a:txBody>
+                    <a:bodyPr/>
+                    <a:lstStyle/>
+                    <a:p>
+                      <a:pPr algn="ctr"/>
+                      <a:endParaRPr lang="en-GB" sz="1400" dirty="0"/>
+                    </a:p>
+                  </a:txBody>
+                  <a:tcPr anchor="ctr"/>
+                </a:tc>
+                <a:tc>
+                  <a:txBody>
+                    <a:bodyPr/>
+                    <a:lstStyle/>
+                    <a:p>
+                      <a:pPr algn="ctr"/>
                       <a:endParaRPr lang="en-GB" sz="1400"/>
                     </a:p>
                   </a:txBody>
-                  <a:tcPr/>
-                </a:tc>
-                <a:tc>
-                  <a:txBody>
-                    <a:bodyPr/>
-                    <a:lstStyle/>
-                    <a:p>
-                      <a:endParaRPr lang="en-GB" sz="1400"/>
-                    </a:p>
-                  </a:txBody>
-                  <a:tcPr/>
-                </a:tc>
-                <a:tc>
-                  <a:txBody>
-                    <a:bodyPr/>
-                    <a:lstStyle/>
-                    <a:p>
-                      <a:endParaRPr lang="en-GB" sz="1400" dirty="0"/>
-                    </a:p>
-                  </a:txBody>
-                  <a:tcPr/>
+                  <a:tcPr anchor="ctr"/>
+                </a:tc>
+                <a:tc>
+                  <a:txBody>
+                    <a:bodyPr/>
+                    <a:lstStyle/>
+                    <a:p>
+                      <a:pPr algn="ctr"/>
+                      <a:endParaRPr lang="en-GB" sz="1400" dirty="0"/>
+                    </a:p>
+                  </a:txBody>
+                  <a:tcPr anchor="ctr"/>
+                </a:tc>
+                <a:tc>
+                  <a:txBody>
+                    <a:bodyPr/>
+                    <a:lstStyle/>
+                    <a:p>
+                      <a:pPr algn="ctr"/>
+                      <a:endParaRPr lang="en-GB" sz="1400" dirty="0"/>
+                    </a:p>
+                  </a:txBody>
+                  <a:tcPr anchor="ctr"/>
+                </a:tc>
+                <a:tc>
+                  <a:txBody>
+                    <a:bodyPr/>
+                    <a:lstStyle/>
+                    <a:p>
+                      <a:pPr algn="ctr"/>
+                      <a:endParaRPr lang="en-GB" sz="1400" dirty="0"/>
+                    </a:p>
+                  </a:txBody>
+                  <a:tcPr anchor="ctr"/>
+                </a:tc>
+                <a:tc>
+                  <a:txBody>
+                    <a:bodyPr/>
+                    <a:lstStyle/>
+                    <a:p>
+                      <a:pPr algn="ctr"/>
+                      <a:endParaRPr lang="en-GB" sz="1400" dirty="0"/>
+                    </a:p>
+                  </a:txBody>
+                  <a:tcPr anchor="ctr"/>
+                </a:tc>
+                <a:tc>
+                  <a:txBody>
+                    <a:bodyPr/>
+                    <a:lstStyle/>
+                    <a:p>
+                      <a:pPr algn="ctr"/>
+                      <a:endParaRPr lang="en-GB" sz="1400" dirty="0"/>
+                    </a:p>
+                  </a:txBody>
+                  <a:tcPr anchor="ctr"/>
+                </a:tc>
+                <a:tc>
+                  <a:txBody>
+                    <a:bodyPr/>
+                    <a:lstStyle/>
+                    <a:p>
+                      <a:pPr algn="ctr"/>
+                      <a:endParaRPr lang="en-GB" sz="1400" dirty="0"/>
+                    </a:p>
+                  </a:txBody>
+                  <a:tcPr anchor="ctr"/>
                 </a:tc>
                 <a:extLst>
                   <a:ext uri="{0D108BD9-81ED-4DB2-BD59-A6C34878D82A}">
@@ -3938,12 +4504,13 @@
                   </a:ext>
                 </a:extLst>
               </a:tr>
-              <a:tr h="500426">
-                <a:tc>
-                  <a:txBody>
-                    <a:bodyPr/>
-                    <a:lstStyle/>
-                    <a:p>
+              <a:tr h="575017">
+                <a:tc>
+                  <a:txBody>
+                    <a:bodyPr/>
+                    <a:lstStyle/>
+                    <a:p>
+                      <a:pPr algn="l"/>
                       <a:r>
                         <a:rPr lang="en-GB" sz="1400" dirty="0" smtClean="0"/>
                         <a:t>Diagrams</a:t>
@@ -3951,14 +4518,14 @@
                       <a:endParaRPr lang="en-GB" sz="1400" dirty="0"/>
                     </a:p>
                   </a:txBody>
-                  <a:tcPr/>
-                </a:tc>
-                <a:tc>
-                  <a:txBody>
-                    <a:bodyPr/>
-                    <a:lstStyle/>
-                    <a:p>
-                      <a:pPr marL="0" marR="0" indent="0" algn="l" defTabSz="914400" rtl="0" eaLnBrk="1" fontAlgn="auto" latinLnBrk="0" hangingPunct="1">
+                  <a:tcPr anchor="ctr"/>
+                </a:tc>
+                <a:tc>
+                  <a:txBody>
+                    <a:bodyPr/>
+                    <a:lstStyle/>
+                    <a:p>
+                      <a:pPr marL="0" marR="0" indent="0" algn="ctr" defTabSz="914400" rtl="0" eaLnBrk="1" fontAlgn="auto" latinLnBrk="0" hangingPunct="1">
                         <a:lnSpc>
                           <a:spcPct val="100000"/>
                         </a:lnSpc>
@@ -3981,90 +4548,165 @@
                       </a:r>
                     </a:p>
                     <a:p>
-                      <a:endParaRPr lang="en-GB" sz="1400" dirty="0"/>
-                    </a:p>
-                  </a:txBody>
-                  <a:tcPr/>
-                </a:tc>
-                <a:tc>
-                  <a:txBody>
-                    <a:bodyPr/>
-                    <a:lstStyle/>
-                    <a:p>
+                      <a:pPr algn="ctr"/>
+                      <a:endParaRPr lang="en-GB" sz="1400" dirty="0"/>
+                    </a:p>
+                  </a:txBody>
+                  <a:tcPr anchor="ctr"/>
+                </a:tc>
+                <a:tc>
+                  <a:txBody>
+                    <a:bodyPr/>
+                    <a:lstStyle/>
+                    <a:p>
+                      <a:pPr algn="ctr"/>
+                      <a:endParaRPr lang="en-GB" sz="1400" dirty="0"/>
+                    </a:p>
+                  </a:txBody>
+                  <a:tcPr anchor="ctr"/>
+                </a:tc>
+                <a:tc>
+                  <a:txBody>
+                    <a:bodyPr/>
+                    <a:lstStyle/>
+                    <a:p>
+                      <a:pPr algn="ctr"/>
                       <a:endParaRPr lang="en-GB" sz="1400"/>
                     </a:p>
                   </a:txBody>
-                  <a:tcPr/>
-                </a:tc>
-                <a:tc>
-                  <a:txBody>
-                    <a:bodyPr/>
-                    <a:lstStyle/>
-                    <a:p>
+                  <a:tcPr anchor="ctr"/>
+                </a:tc>
+                <a:tc>
+                  <a:txBody>
+                    <a:bodyPr/>
+                    <a:lstStyle/>
+                    <a:p>
+                      <a:pPr algn="ctr"/>
                       <a:endParaRPr lang="en-GB" sz="1400"/>
                     </a:p>
                   </a:txBody>
-                  <a:tcPr/>
-                </a:tc>
-                <a:tc>
-                  <a:txBody>
-                    <a:bodyPr/>
-                    <a:lstStyle/>
-                    <a:p>
+                  <a:tcPr anchor="ctr"/>
+                </a:tc>
+                <a:tc>
+                  <a:txBody>
+                    <a:bodyPr/>
+                    <a:lstStyle/>
+                    <a:p>
+                      <a:pPr algn="ctr"/>
                       <a:endParaRPr lang="en-GB" sz="1400"/>
                     </a:p>
                   </a:txBody>
-                  <a:tcPr/>
-                </a:tc>
-                <a:tc>
-                  <a:txBody>
-                    <a:bodyPr/>
-                    <a:lstStyle/>
-                    <a:p>
+                  <a:tcPr anchor="ctr"/>
+                </a:tc>
+                <a:tc>
+                  <a:txBody>
+                    <a:bodyPr/>
+                    <a:lstStyle/>
+                    <a:p>
+                      <a:pPr algn="ctr"/>
                       <a:endParaRPr lang="en-GB" sz="1400"/>
                     </a:p>
                   </a:txBody>
-                  <a:tcPr/>
-                </a:tc>
-                <a:tc>
-                  <a:txBody>
-                    <a:bodyPr/>
-                    <a:lstStyle/>
-                    <a:p>
-                      <a:endParaRPr lang="en-GB" sz="1400" dirty="0"/>
-                    </a:p>
-                  </a:txBody>
-                  <a:tcPr/>
-                </a:tc>
-                <a:tc>
-                  <a:txBody>
-                    <a:bodyPr/>
-                    <a:lstStyle/>
-                    <a:p>
-                      <a:endParaRPr lang="en-GB" sz="1400" dirty="0"/>
-                    </a:p>
-                  </a:txBody>
-                  <a:tcPr/>
-                </a:tc>
-                <a:tc>
-                  <a:txBody>
-                    <a:bodyPr/>
-                    <a:lstStyle/>
-                    <a:p>
-                      <a:endParaRPr lang="en-GB" sz="1400"/>
-                    </a:p>
-                  </a:txBody>
-                  <a:tcPr/>
-                </a:tc>
-                <a:tc>
-                  <a:txBody>
-                    <a:bodyPr/>
-                    <a:lstStyle/>
-                    <a:p>
-                      <a:endParaRPr lang="en-GB" sz="1400" dirty="0"/>
-                    </a:p>
-                  </a:txBody>
-                  <a:tcPr/>
+                  <a:tcPr anchor="ctr"/>
+                </a:tc>
+                <a:tc>
+                  <a:txBody>
+                    <a:bodyPr/>
+                    <a:lstStyle/>
+                    <a:p>
+                      <a:pPr algn="ctr"/>
+                      <a:endParaRPr lang="en-GB" sz="1400" dirty="0"/>
+                    </a:p>
+                  </a:txBody>
+                  <a:tcPr anchor="ctr"/>
+                </a:tc>
+                <a:tc>
+                  <a:txBody>
+                    <a:bodyPr/>
+                    <a:lstStyle/>
+                    <a:p>
+                      <a:pPr algn="ctr"/>
+                      <a:endParaRPr lang="en-GB" sz="1400" dirty="0"/>
+                    </a:p>
+                  </a:txBody>
+                  <a:tcPr anchor="ctr"/>
+                </a:tc>
+                <a:tc>
+                  <a:txBody>
+                    <a:bodyPr/>
+                    <a:lstStyle/>
+                    <a:p>
+                      <a:pPr algn="ctr"/>
+                      <a:endParaRPr lang="en-GB" sz="1400" dirty="0"/>
+                    </a:p>
+                  </a:txBody>
+                  <a:tcPr anchor="ctr"/>
+                </a:tc>
+                <a:tc>
+                  <a:txBody>
+                    <a:bodyPr/>
+                    <a:lstStyle/>
+                    <a:p>
+                      <a:pPr algn="ctr"/>
+                      <a:endParaRPr lang="en-GB" sz="1400" dirty="0"/>
+                    </a:p>
+                  </a:txBody>
+                  <a:tcPr anchor="ctr"/>
+                </a:tc>
+                <a:tc>
+                  <a:txBody>
+                    <a:bodyPr/>
+                    <a:lstStyle/>
+                    <a:p>
+                      <a:pPr algn="ctr"/>
+                      <a:endParaRPr lang="en-GB" sz="1400" dirty="0"/>
+                    </a:p>
+                  </a:txBody>
+                  <a:tcPr anchor="ctr"/>
+                </a:tc>
+                <a:tc>
+                  <a:txBody>
+                    <a:bodyPr/>
+                    <a:lstStyle/>
+                    <a:p>
+                      <a:pPr algn="ctr"/>
+                      <a:endParaRPr lang="en-GB" sz="1400" dirty="0"/>
+                    </a:p>
+                  </a:txBody>
+                  <a:tcPr anchor="ctr"/>
+                </a:tc>
+                <a:tc>
+                  <a:txBody>
+                    <a:bodyPr/>
+                    <a:lstStyle/>
+                    <a:p>
+                      <a:pPr algn="ctr"/>
+                      <a:endParaRPr lang="en-GB" sz="1400" dirty="0"/>
+                    </a:p>
+                  </a:txBody>
+                  <a:tcPr anchor="ctr"/>
+                </a:tc>
+                <a:tc>
+                  <a:txBody>
+                    <a:bodyPr/>
+                    <a:lstStyle/>
+                    <a:p>
+                      <a:pPr algn="ctr"/>
+                      <a:endParaRPr lang="en-GB" sz="1400" dirty="0"/>
+                    </a:p>
+                  </a:txBody>
+                  <a:tcPr anchor="ctr"/>
+                </a:tc>
+                <a:tc>
+                  <a:txBody>
+                    <a:bodyPr/>
+                    <a:lstStyle/>
+                    <a:p>
+                      <a:pPr algn="ctr"/>
+                      <a:endParaRPr lang="en-GB" sz="1400" dirty="0"/>
+                    </a:p>
+                  </a:txBody>
+                  <a:tcPr anchor="ctr"/>
                 </a:tc>
                 <a:extLst>
                   <a:ext uri="{0D108BD9-81ED-4DB2-BD59-A6C34878D82A}">
@@ -4072,12 +4714,13 @@
                   </a:ext>
                 </a:extLst>
               </a:tr>
-              <a:tr h="500426">
-                <a:tc>
-                  <a:txBody>
-                    <a:bodyPr/>
-                    <a:lstStyle/>
-                    <a:p>
+              <a:tr h="575017">
+                <a:tc>
+                  <a:txBody>
+                    <a:bodyPr/>
+                    <a:lstStyle/>
+                    <a:p>
+                      <a:pPr algn="l"/>
                       <a:r>
                         <a:rPr lang="en-GB" sz="1400" dirty="0" smtClean="0"/>
                         <a:t>Overview of certain protocols</a:t>
@@ -4085,14 +4728,14 @@
                       <a:endParaRPr lang="en-GB" sz="1400" dirty="0"/>
                     </a:p>
                   </a:txBody>
-                  <a:tcPr/>
-                </a:tc>
-                <a:tc>
-                  <a:txBody>
-                    <a:bodyPr/>
-                    <a:lstStyle/>
-                    <a:p>
-                      <a:pPr marL="0" marR="0" indent="0" algn="l" defTabSz="914400" rtl="0" eaLnBrk="1" fontAlgn="auto" latinLnBrk="0" hangingPunct="1">
+                  <a:tcPr anchor="ctr"/>
+                </a:tc>
+                <a:tc>
+                  <a:txBody>
+                    <a:bodyPr/>
+                    <a:lstStyle/>
+                    <a:p>
+                      <a:pPr marL="0" marR="0" indent="0" algn="ctr" defTabSz="914400" rtl="0" eaLnBrk="1" fontAlgn="auto" latinLnBrk="0" hangingPunct="1">
                         <a:lnSpc>
                           <a:spcPct val="100000"/>
                         </a:lnSpc>
@@ -4115,90 +4758,165 @@
                       </a:r>
                     </a:p>
                     <a:p>
-                      <a:endParaRPr lang="en-GB" sz="1400" dirty="0"/>
-                    </a:p>
-                  </a:txBody>
-                  <a:tcPr/>
-                </a:tc>
-                <a:tc>
-                  <a:txBody>
-                    <a:bodyPr/>
-                    <a:lstStyle/>
-                    <a:p>
+                      <a:pPr algn="ctr"/>
+                      <a:endParaRPr lang="en-GB" sz="1400" dirty="0"/>
+                    </a:p>
+                  </a:txBody>
+                  <a:tcPr anchor="ctr"/>
+                </a:tc>
+                <a:tc>
+                  <a:txBody>
+                    <a:bodyPr/>
+                    <a:lstStyle/>
+                    <a:p>
+                      <a:pPr algn="ctr"/>
                       <a:endParaRPr lang="en-GB" sz="1400"/>
                     </a:p>
                   </a:txBody>
-                  <a:tcPr/>
-                </a:tc>
-                <a:tc>
-                  <a:txBody>
-                    <a:bodyPr/>
-                    <a:lstStyle/>
-                    <a:p>
+                  <a:tcPr anchor="ctr"/>
+                </a:tc>
+                <a:tc>
+                  <a:txBody>
+                    <a:bodyPr/>
+                    <a:lstStyle/>
+                    <a:p>
+                      <a:pPr algn="ctr"/>
                       <a:endParaRPr lang="en-GB" sz="1400"/>
                     </a:p>
                   </a:txBody>
-                  <a:tcPr/>
-                </a:tc>
-                <a:tc>
-                  <a:txBody>
-                    <a:bodyPr/>
-                    <a:lstStyle/>
-                    <a:p>
+                  <a:tcPr anchor="ctr"/>
+                </a:tc>
+                <a:tc>
+                  <a:txBody>
+                    <a:bodyPr/>
+                    <a:lstStyle/>
+                    <a:p>
+                      <a:pPr algn="ctr"/>
                       <a:endParaRPr lang="en-GB" sz="1400"/>
                     </a:p>
                   </a:txBody>
-                  <a:tcPr/>
-                </a:tc>
-                <a:tc>
-                  <a:txBody>
-                    <a:bodyPr/>
-                    <a:lstStyle/>
-                    <a:p>
+                  <a:tcPr anchor="ctr"/>
+                </a:tc>
+                <a:tc>
+                  <a:txBody>
+                    <a:bodyPr/>
+                    <a:lstStyle/>
+                    <a:p>
+                      <a:pPr algn="ctr"/>
                       <a:endParaRPr lang="en-GB" sz="1400"/>
                     </a:p>
                   </a:txBody>
-                  <a:tcPr/>
-                </a:tc>
-                <a:tc>
-                  <a:txBody>
-                    <a:bodyPr/>
-                    <a:lstStyle/>
-                    <a:p>
-                      <a:endParaRPr lang="en-GB" sz="1400" dirty="0"/>
-                    </a:p>
-                  </a:txBody>
-                  <a:tcPr/>
-                </a:tc>
-                <a:tc>
-                  <a:txBody>
-                    <a:bodyPr/>
-                    <a:lstStyle/>
-                    <a:p>
-                      <a:endParaRPr lang="en-GB" sz="1400" dirty="0"/>
-                    </a:p>
-                  </a:txBody>
-                  <a:tcPr/>
-                </a:tc>
-                <a:tc>
-                  <a:txBody>
-                    <a:bodyPr/>
-                    <a:lstStyle/>
-                    <a:p>
+                  <a:tcPr anchor="ctr"/>
+                </a:tc>
+                <a:tc>
+                  <a:txBody>
+                    <a:bodyPr/>
+                    <a:lstStyle/>
+                    <a:p>
+                      <a:pPr algn="ctr"/>
                       <a:endParaRPr lang="en-GB" sz="1400"/>
                     </a:p>
                   </a:txBody>
-                  <a:tcPr/>
-                </a:tc>
-                <a:tc>
-                  <a:txBody>
-                    <a:bodyPr/>
-                    <a:lstStyle/>
-                    <a:p>
-                      <a:endParaRPr lang="en-GB" sz="1400" dirty="0"/>
-                    </a:p>
-                  </a:txBody>
-                  <a:tcPr/>
+                  <a:tcPr anchor="ctr"/>
+                </a:tc>
+                <a:tc>
+                  <a:txBody>
+                    <a:bodyPr/>
+                    <a:lstStyle/>
+                    <a:p>
+                      <a:pPr algn="ctr"/>
+                      <a:endParaRPr lang="en-GB" sz="1400" dirty="0"/>
+                    </a:p>
+                  </a:txBody>
+                  <a:tcPr anchor="ctr"/>
+                </a:tc>
+                <a:tc>
+                  <a:txBody>
+                    <a:bodyPr/>
+                    <a:lstStyle/>
+                    <a:p>
+                      <a:pPr algn="ctr"/>
+                      <a:endParaRPr lang="en-GB" sz="1400" dirty="0"/>
+                    </a:p>
+                  </a:txBody>
+                  <a:tcPr anchor="ctr"/>
+                </a:tc>
+                <a:tc>
+                  <a:txBody>
+                    <a:bodyPr/>
+                    <a:lstStyle/>
+                    <a:p>
+                      <a:pPr algn="ctr"/>
+                      <a:endParaRPr lang="en-GB" sz="1400"/>
+                    </a:p>
+                  </a:txBody>
+                  <a:tcPr anchor="ctr"/>
+                </a:tc>
+                <a:tc>
+                  <a:txBody>
+                    <a:bodyPr/>
+                    <a:lstStyle/>
+                    <a:p>
+                      <a:pPr algn="ctr"/>
+                      <a:endParaRPr lang="en-GB" sz="1400" dirty="0"/>
+                    </a:p>
+                  </a:txBody>
+                  <a:tcPr anchor="ctr"/>
+                </a:tc>
+                <a:tc>
+                  <a:txBody>
+                    <a:bodyPr/>
+                    <a:lstStyle/>
+                    <a:p>
+                      <a:pPr algn="ctr"/>
+                      <a:endParaRPr lang="en-GB" sz="1400" dirty="0"/>
+                    </a:p>
+                  </a:txBody>
+                  <a:tcPr anchor="ctr"/>
+                </a:tc>
+                <a:tc>
+                  <a:txBody>
+                    <a:bodyPr/>
+                    <a:lstStyle/>
+                    <a:p>
+                      <a:pPr algn="ctr"/>
+                      <a:endParaRPr lang="en-GB" sz="1400" dirty="0"/>
+                    </a:p>
+                  </a:txBody>
+                  <a:tcPr anchor="ctr"/>
+                </a:tc>
+                <a:tc>
+                  <a:txBody>
+                    <a:bodyPr/>
+                    <a:lstStyle/>
+                    <a:p>
+                      <a:pPr algn="ctr"/>
+                      <a:endParaRPr lang="en-GB" sz="1400" dirty="0"/>
+                    </a:p>
+                  </a:txBody>
+                  <a:tcPr anchor="ctr"/>
+                </a:tc>
+                <a:tc>
+                  <a:txBody>
+                    <a:bodyPr/>
+                    <a:lstStyle/>
+                    <a:p>
+                      <a:pPr algn="ctr"/>
+                      <a:endParaRPr lang="en-GB" sz="1400" dirty="0"/>
+                    </a:p>
+                  </a:txBody>
+                  <a:tcPr anchor="ctr"/>
+                </a:tc>
+                <a:tc>
+                  <a:txBody>
+                    <a:bodyPr/>
+                    <a:lstStyle/>
+                    <a:p>
+                      <a:pPr algn="ctr"/>
+                      <a:endParaRPr lang="en-GB" sz="1400" dirty="0"/>
+                    </a:p>
+                  </a:txBody>
+                  <a:tcPr anchor="ctr"/>
                 </a:tc>
                 <a:extLst>
                   <a:ext uri="{0D108BD9-81ED-4DB2-BD59-A6C34878D82A}">
@@ -4206,12 +4924,13 @@
                   </a:ext>
                 </a:extLst>
               </a:tr>
-              <a:tr h="500426">
-                <a:tc>
-                  <a:txBody>
-                    <a:bodyPr/>
-                    <a:lstStyle/>
-                    <a:p>
+              <a:tr h="811788">
+                <a:tc>
+                  <a:txBody>
+                    <a:bodyPr/>
+                    <a:lstStyle/>
+                    <a:p>
+                      <a:pPr algn="l"/>
                       <a:r>
                         <a:rPr lang="en-GB" sz="1400" dirty="0" smtClean="0"/>
                         <a:t>back-end functionality and database integration</a:t>
@@ -4219,14 +4938,434 @@
                       <a:endParaRPr lang="en-GB" sz="1400" dirty="0"/>
                     </a:p>
                   </a:txBody>
-                  <a:tcPr/>
-                </a:tc>
-                <a:tc>
-                  <a:txBody>
-                    <a:bodyPr/>
-                    <a:lstStyle/>
-                    <a:p>
-                      <a:pPr marL="0" marR="0" indent="0" algn="l" defTabSz="914400" rtl="0" eaLnBrk="1" fontAlgn="auto" latinLnBrk="0" hangingPunct="1">
+                  <a:tcPr anchor="ctr"/>
+                </a:tc>
+                <a:tc>
+                  <a:txBody>
+                    <a:bodyPr/>
+                    <a:lstStyle/>
+                    <a:p>
+                      <a:pPr marL="0" marR="0" indent="0" algn="ctr" defTabSz="914400" rtl="0" eaLnBrk="1" fontAlgn="auto" latinLnBrk="0" hangingPunct="1">
+                        <a:lnSpc>
+                          <a:spcPct val="100000"/>
+                        </a:lnSpc>
+                        <a:spcBef>
+                          <a:spcPts val="0"/>
+                        </a:spcBef>
+                        <a:spcAft>
+                          <a:spcPts val="0"/>
+                        </a:spcAft>
+                        <a:buClrTx/>
+                        <a:buSzTx/>
+                        <a:buFontTx/>
+                        <a:buNone/>
+                        <a:tabLst/>
+                        <a:defRPr/>
+                      </a:pPr>
+                      <a:r>
+                        <a:rPr lang="en-GB" sz="1400" dirty="0" smtClean="0"/>
+                        <a:t>5 week</a:t>
+                      </a:r>
+                    </a:p>
+                    <a:p>
+                      <a:pPr algn="ctr"/>
+                      <a:endParaRPr lang="en-GB" sz="1400" dirty="0"/>
+                    </a:p>
+                  </a:txBody>
+                  <a:tcPr anchor="ctr"/>
+                </a:tc>
+                <a:tc>
+                  <a:txBody>
+                    <a:bodyPr/>
+                    <a:lstStyle/>
+                    <a:p>
+                      <a:pPr algn="ctr"/>
+                      <a:endParaRPr lang="en-GB" sz="1400"/>
+                    </a:p>
+                  </a:txBody>
+                  <a:tcPr anchor="ctr"/>
+                </a:tc>
+                <a:tc>
+                  <a:txBody>
+                    <a:bodyPr/>
+                    <a:lstStyle/>
+                    <a:p>
+                      <a:pPr algn="ctr"/>
+                      <a:endParaRPr lang="en-GB" sz="1400"/>
+                    </a:p>
+                  </a:txBody>
+                  <a:tcPr anchor="ctr"/>
+                </a:tc>
+                <a:tc>
+                  <a:txBody>
+                    <a:bodyPr/>
+                    <a:lstStyle/>
+                    <a:p>
+                      <a:pPr algn="ctr"/>
+                      <a:endParaRPr lang="en-GB" sz="1400"/>
+                    </a:p>
+                  </a:txBody>
+                  <a:tcPr anchor="ctr"/>
+                </a:tc>
+                <a:tc>
+                  <a:txBody>
+                    <a:bodyPr/>
+                    <a:lstStyle/>
+                    <a:p>
+                      <a:pPr algn="ctr"/>
+                      <a:endParaRPr lang="en-GB" sz="1400"/>
+                    </a:p>
+                  </a:txBody>
+                  <a:tcPr anchor="ctr"/>
+                </a:tc>
+                <a:tc>
+                  <a:txBody>
+                    <a:bodyPr/>
+                    <a:lstStyle/>
+                    <a:p>
+                      <a:pPr algn="ctr"/>
+                      <a:endParaRPr lang="en-GB" sz="1400"/>
+                    </a:p>
+                  </a:txBody>
+                  <a:tcPr anchor="ctr"/>
+                </a:tc>
+                <a:tc>
+                  <a:txBody>
+                    <a:bodyPr/>
+                    <a:lstStyle/>
+                    <a:p>
+                      <a:pPr algn="ctr"/>
+                      <a:endParaRPr lang="en-GB" sz="1400" dirty="0"/>
+                    </a:p>
+                  </a:txBody>
+                  <a:tcPr anchor="ctr"/>
+                </a:tc>
+                <a:tc>
+                  <a:txBody>
+                    <a:bodyPr/>
+                    <a:lstStyle/>
+                    <a:p>
+                      <a:pPr algn="ctr"/>
+                      <a:endParaRPr lang="en-GB" sz="1400" dirty="0"/>
+                    </a:p>
+                  </a:txBody>
+                  <a:tcPr anchor="ctr"/>
+                </a:tc>
+                <a:tc>
+                  <a:txBody>
+                    <a:bodyPr/>
+                    <a:lstStyle/>
+                    <a:p>
+                      <a:pPr algn="ctr"/>
+                      <a:endParaRPr lang="en-GB" sz="1400" dirty="0"/>
+                    </a:p>
+                  </a:txBody>
+                  <a:tcPr anchor="ctr"/>
+                </a:tc>
+                <a:tc>
+                  <a:txBody>
+                    <a:bodyPr/>
+                    <a:lstStyle/>
+                    <a:p>
+                      <a:pPr algn="ctr"/>
+                      <a:endParaRPr lang="en-GB" sz="1400" dirty="0"/>
+                    </a:p>
+                  </a:txBody>
+                  <a:tcPr anchor="ctr"/>
+                </a:tc>
+                <a:tc>
+                  <a:txBody>
+                    <a:bodyPr/>
+                    <a:lstStyle/>
+                    <a:p>
+                      <a:pPr algn="ctr"/>
+                      <a:endParaRPr lang="en-GB" sz="1400" dirty="0"/>
+                    </a:p>
+                  </a:txBody>
+                  <a:tcPr anchor="ctr"/>
+                </a:tc>
+                <a:tc>
+                  <a:txBody>
+                    <a:bodyPr/>
+                    <a:lstStyle/>
+                    <a:p>
+                      <a:pPr algn="ctr"/>
+                      <a:endParaRPr lang="en-GB" sz="1400" dirty="0"/>
+                    </a:p>
+                  </a:txBody>
+                  <a:tcPr anchor="ctr"/>
+                </a:tc>
+                <a:tc>
+                  <a:txBody>
+                    <a:bodyPr/>
+                    <a:lstStyle/>
+                    <a:p>
+                      <a:pPr algn="ctr"/>
+                      <a:endParaRPr lang="en-GB" sz="1400" dirty="0"/>
+                    </a:p>
+                  </a:txBody>
+                  <a:tcPr anchor="ctr"/>
+                </a:tc>
+                <a:tc>
+                  <a:txBody>
+                    <a:bodyPr/>
+                    <a:lstStyle/>
+                    <a:p>
+                      <a:pPr algn="ctr"/>
+                      <a:endParaRPr lang="en-GB" sz="1400" dirty="0"/>
+                    </a:p>
+                  </a:txBody>
+                  <a:tcPr anchor="ctr"/>
+                </a:tc>
+                <a:tc>
+                  <a:txBody>
+                    <a:bodyPr/>
+                    <a:lstStyle/>
+                    <a:p>
+                      <a:pPr algn="ctr"/>
+                      <a:endParaRPr lang="en-GB" sz="1400"/>
+                    </a:p>
+                  </a:txBody>
+                  <a:tcPr anchor="ctr"/>
+                </a:tc>
+                <a:extLst>
+                  <a:ext uri="{0D108BD9-81ED-4DB2-BD59-A6C34878D82A}">
+                    <a16:rowId xmlns:a16="http://schemas.microsoft.com/office/drawing/2014/main" val="1731515506"/>
+                  </a:ext>
+                </a:extLst>
+              </a:tr>
+              <a:tr h="575017">
+                <a:tc>
+                  <a:txBody>
+                    <a:bodyPr/>
+                    <a:lstStyle/>
+                    <a:p>
+                      <a:pPr algn="l"/>
+                      <a:r>
+                        <a:rPr lang="en-GB" sz="1400" dirty="0" smtClean="0"/>
+                        <a:t>user interface and front-end functionality</a:t>
+                      </a:r>
+                      <a:endParaRPr lang="en-GB" sz="1400" dirty="0"/>
+                    </a:p>
+                  </a:txBody>
+                  <a:tcPr anchor="ctr"/>
+                </a:tc>
+                <a:tc>
+                  <a:txBody>
+                    <a:bodyPr/>
+                    <a:lstStyle/>
+                    <a:p>
+                      <a:pPr marL="0" marR="0" indent="0" algn="ctr" defTabSz="914400" rtl="0" eaLnBrk="1" fontAlgn="auto" latinLnBrk="0" hangingPunct="1">
+                        <a:lnSpc>
+                          <a:spcPct val="100000"/>
+                        </a:lnSpc>
+                        <a:spcBef>
+                          <a:spcPts val="0"/>
+                        </a:spcBef>
+                        <a:spcAft>
+                          <a:spcPts val="0"/>
+                        </a:spcAft>
+                        <a:buClrTx/>
+                        <a:buSzTx/>
+                        <a:buFontTx/>
+                        <a:buNone/>
+                        <a:tabLst/>
+                        <a:defRPr/>
+                      </a:pPr>
+                      <a:r>
+                        <a:rPr lang="en-GB" sz="1400" dirty="0" smtClean="0"/>
+                        <a:t>5 week</a:t>
+                      </a:r>
+                    </a:p>
+                    <a:p>
+                      <a:pPr algn="ctr"/>
+                      <a:endParaRPr lang="en-GB" sz="1400" dirty="0"/>
+                    </a:p>
+                  </a:txBody>
+                  <a:tcPr anchor="ctr"/>
+                </a:tc>
+                <a:tc>
+                  <a:txBody>
+                    <a:bodyPr/>
+                    <a:lstStyle/>
+                    <a:p>
+                      <a:pPr algn="ctr"/>
+                      <a:endParaRPr lang="en-GB" sz="1400"/>
+                    </a:p>
+                  </a:txBody>
+                  <a:tcPr anchor="ctr"/>
+                </a:tc>
+                <a:tc>
+                  <a:txBody>
+                    <a:bodyPr/>
+                    <a:lstStyle/>
+                    <a:p>
+                      <a:pPr algn="ctr"/>
+                      <a:endParaRPr lang="en-GB" sz="1400"/>
+                    </a:p>
+                  </a:txBody>
+                  <a:tcPr anchor="ctr"/>
+                </a:tc>
+                <a:tc>
+                  <a:txBody>
+                    <a:bodyPr/>
+                    <a:lstStyle/>
+                    <a:p>
+                      <a:pPr algn="ctr"/>
+                      <a:endParaRPr lang="en-GB" sz="1400"/>
+                    </a:p>
+                  </a:txBody>
+                  <a:tcPr anchor="ctr"/>
+                </a:tc>
+                <a:tc>
+                  <a:txBody>
+                    <a:bodyPr/>
+                    <a:lstStyle/>
+                    <a:p>
+                      <a:pPr algn="ctr"/>
+                      <a:endParaRPr lang="en-GB" sz="1400"/>
+                    </a:p>
+                  </a:txBody>
+                  <a:tcPr anchor="ctr"/>
+                </a:tc>
+                <a:tc>
+                  <a:txBody>
+                    <a:bodyPr/>
+                    <a:lstStyle/>
+                    <a:p>
+                      <a:pPr algn="ctr"/>
+                      <a:endParaRPr lang="en-GB" sz="1400"/>
+                    </a:p>
+                  </a:txBody>
+                  <a:tcPr anchor="ctr"/>
+                </a:tc>
+                <a:tc>
+                  <a:txBody>
+                    <a:bodyPr/>
+                    <a:lstStyle/>
+                    <a:p>
+                      <a:pPr algn="ctr"/>
+                      <a:endParaRPr lang="en-GB" sz="1400"/>
+                    </a:p>
+                  </a:txBody>
+                  <a:tcPr anchor="ctr"/>
+                </a:tc>
+                <a:tc>
+                  <a:txBody>
+                    <a:bodyPr/>
+                    <a:lstStyle/>
+                    <a:p>
+                      <a:pPr algn="ctr"/>
+                      <a:endParaRPr lang="en-GB" sz="1400" dirty="0"/>
+                    </a:p>
+                  </a:txBody>
+                  <a:tcPr anchor="ctr"/>
+                </a:tc>
+                <a:tc>
+                  <a:txBody>
+                    <a:bodyPr/>
+                    <a:lstStyle/>
+                    <a:p>
+                      <a:pPr algn="ctr"/>
+                      <a:endParaRPr lang="en-GB" sz="1400" dirty="0"/>
+                    </a:p>
+                  </a:txBody>
+                  <a:tcPr anchor="ctr"/>
+                </a:tc>
+                <a:tc>
+                  <a:txBody>
+                    <a:bodyPr/>
+                    <a:lstStyle/>
+                    <a:p>
+                      <a:pPr algn="ctr"/>
+                      <a:endParaRPr lang="en-GB" sz="1400"/>
+                    </a:p>
+                  </a:txBody>
+                  <a:tcPr anchor="ctr"/>
+                </a:tc>
+                <a:tc>
+                  <a:txBody>
+                    <a:bodyPr/>
+                    <a:lstStyle/>
+                    <a:p>
+                      <a:pPr algn="ctr"/>
+                      <a:endParaRPr lang="en-GB" sz="1400" dirty="0"/>
+                    </a:p>
+                  </a:txBody>
+                  <a:tcPr anchor="ctr"/>
+                </a:tc>
+                <a:tc>
+                  <a:txBody>
+                    <a:bodyPr/>
+                    <a:lstStyle/>
+                    <a:p>
+                      <a:pPr algn="ctr"/>
+                      <a:endParaRPr lang="en-GB" sz="1400" dirty="0"/>
+                    </a:p>
+                  </a:txBody>
+                  <a:tcPr anchor="ctr"/>
+                </a:tc>
+                <a:tc>
+                  <a:txBody>
+                    <a:bodyPr/>
+                    <a:lstStyle/>
+                    <a:p>
+                      <a:pPr algn="ctr"/>
+                      <a:endParaRPr lang="en-GB" sz="1400" dirty="0"/>
+                    </a:p>
+                  </a:txBody>
+                  <a:tcPr anchor="ctr"/>
+                </a:tc>
+                <a:tc>
+                  <a:txBody>
+                    <a:bodyPr/>
+                    <a:lstStyle/>
+                    <a:p>
+                      <a:pPr algn="ctr"/>
+                      <a:endParaRPr lang="en-GB" sz="1400" dirty="0"/>
+                    </a:p>
+                  </a:txBody>
+                  <a:tcPr anchor="ctr"/>
+                </a:tc>
+                <a:tc>
+                  <a:txBody>
+                    <a:bodyPr/>
+                    <a:lstStyle/>
+                    <a:p>
+                      <a:pPr algn="ctr"/>
+                      <a:endParaRPr lang="en-GB" sz="1400"/>
+                    </a:p>
+                  </a:txBody>
+                  <a:tcPr anchor="ctr"/>
+                </a:tc>
+                <a:extLst>
+                  <a:ext uri="{0D108BD9-81ED-4DB2-BD59-A6C34878D82A}">
+                    <a16:rowId xmlns:a16="http://schemas.microsoft.com/office/drawing/2014/main" val="3241257229"/>
+                  </a:ext>
+                </a:extLst>
+              </a:tr>
+              <a:tr h="575017">
+                <a:tc>
+                  <a:txBody>
+                    <a:bodyPr/>
+                    <a:lstStyle/>
+                    <a:p>
+                      <a:pPr algn="l"/>
+                      <a:r>
+                        <a:rPr lang="en-GB" sz="1400" dirty="0" smtClean="0"/>
+                        <a:t>delivery tracking system</a:t>
+                      </a:r>
+                      <a:endParaRPr lang="en-GB" sz="1400" dirty="0"/>
+                    </a:p>
+                  </a:txBody>
+                  <a:tcPr anchor="ctr"/>
+                </a:tc>
+                <a:tc>
+                  <a:txBody>
+                    <a:bodyPr/>
+                    <a:lstStyle/>
+                    <a:p>
+                      <a:pPr marL="0" marR="0" indent="0" algn="ctr" defTabSz="914400" rtl="0" eaLnBrk="1" fontAlgn="auto" latinLnBrk="0" hangingPunct="1">
                         <a:lnSpc>
                           <a:spcPct val="100000"/>
                         </a:lnSpc>
@@ -4249,358 +5388,165 @@
                       </a:r>
                     </a:p>
                     <a:p>
-                      <a:endParaRPr lang="en-GB" sz="1400" dirty="0"/>
-                    </a:p>
-                  </a:txBody>
-                  <a:tcPr/>
-                </a:tc>
-                <a:tc>
-                  <a:txBody>
-                    <a:bodyPr/>
-                    <a:lstStyle/>
-                    <a:p>
+                      <a:pPr algn="ctr"/>
+                      <a:endParaRPr lang="en-GB" sz="1400" dirty="0"/>
+                    </a:p>
+                  </a:txBody>
+                  <a:tcPr anchor="ctr"/>
+                </a:tc>
+                <a:tc>
+                  <a:txBody>
+                    <a:bodyPr/>
+                    <a:lstStyle/>
+                    <a:p>
+                      <a:pPr algn="ctr"/>
                       <a:endParaRPr lang="en-GB" sz="1400"/>
                     </a:p>
                   </a:txBody>
-                  <a:tcPr/>
-                </a:tc>
-                <a:tc>
-                  <a:txBody>
-                    <a:bodyPr/>
-                    <a:lstStyle/>
-                    <a:p>
+                  <a:tcPr anchor="ctr"/>
+                </a:tc>
+                <a:tc>
+                  <a:txBody>
+                    <a:bodyPr/>
+                    <a:lstStyle/>
+                    <a:p>
+                      <a:pPr algn="ctr"/>
                       <a:endParaRPr lang="en-GB" sz="1400"/>
                     </a:p>
                   </a:txBody>
-                  <a:tcPr/>
-                </a:tc>
-                <a:tc>
-                  <a:txBody>
-                    <a:bodyPr/>
-                    <a:lstStyle/>
-                    <a:p>
+                  <a:tcPr anchor="ctr"/>
+                </a:tc>
+                <a:tc>
+                  <a:txBody>
+                    <a:bodyPr/>
+                    <a:lstStyle/>
+                    <a:p>
+                      <a:pPr algn="ctr"/>
                       <a:endParaRPr lang="en-GB" sz="1400"/>
                     </a:p>
                   </a:txBody>
-                  <a:tcPr/>
-                </a:tc>
-                <a:tc>
-                  <a:txBody>
-                    <a:bodyPr/>
-                    <a:lstStyle/>
-                    <a:p>
+                  <a:tcPr anchor="ctr"/>
+                </a:tc>
+                <a:tc>
+                  <a:txBody>
+                    <a:bodyPr/>
+                    <a:lstStyle/>
+                    <a:p>
+                      <a:pPr algn="ctr"/>
                       <a:endParaRPr lang="en-GB" sz="1400"/>
                     </a:p>
                   </a:txBody>
-                  <a:tcPr/>
-                </a:tc>
-                <a:tc>
-                  <a:txBody>
-                    <a:bodyPr/>
-                    <a:lstStyle/>
-                    <a:p>
-                      <a:endParaRPr lang="en-GB" sz="1400" dirty="0"/>
-                    </a:p>
-                  </a:txBody>
-                  <a:tcPr/>
-                </a:tc>
-                <a:tc>
-                  <a:txBody>
-                    <a:bodyPr/>
-                    <a:lstStyle/>
-                    <a:p>
-                      <a:endParaRPr lang="en-GB" sz="1400" dirty="0"/>
-                    </a:p>
-                  </a:txBody>
-                  <a:tcPr/>
-                </a:tc>
-                <a:tc>
-                  <a:txBody>
-                    <a:bodyPr/>
-                    <a:lstStyle/>
-                    <a:p>
+                  <a:tcPr anchor="ctr"/>
+                </a:tc>
+                <a:tc>
+                  <a:txBody>
+                    <a:bodyPr/>
+                    <a:lstStyle/>
+                    <a:p>
+                      <a:pPr algn="ctr"/>
                       <a:endParaRPr lang="en-GB" sz="1400"/>
                     </a:p>
                   </a:txBody>
-                  <a:tcPr/>
-                </a:tc>
-                <a:tc>
-                  <a:txBody>
-                    <a:bodyPr/>
-                    <a:lstStyle/>
-                    <a:p>
+                  <a:tcPr anchor="ctr"/>
+                </a:tc>
+                <a:tc>
+                  <a:txBody>
+                    <a:bodyPr/>
+                    <a:lstStyle/>
+                    <a:p>
+                      <a:pPr algn="ctr"/>
                       <a:endParaRPr lang="en-GB" sz="1400"/>
                     </a:p>
                   </a:txBody>
-                  <a:tcPr/>
-                </a:tc>
-                <a:extLst>
-                  <a:ext uri="{0D108BD9-81ED-4DB2-BD59-A6C34878D82A}">
-                    <a16:rowId xmlns:a16="http://schemas.microsoft.com/office/drawing/2014/main" val="1731515506"/>
-                  </a:ext>
-                </a:extLst>
-              </a:tr>
-              <a:tr h="386043">
-                <a:tc>
-                  <a:txBody>
-                    <a:bodyPr/>
-                    <a:lstStyle/>
-                    <a:p>
-                      <a:r>
-                        <a:rPr lang="en-GB" sz="1400" dirty="0" smtClean="0"/>
-                        <a:t>user interface and front-end functionality</a:t>
-                      </a:r>
-                      <a:endParaRPr lang="en-GB" sz="1400" dirty="0"/>
-                    </a:p>
-                  </a:txBody>
-                  <a:tcPr/>
-                </a:tc>
-                <a:tc>
-                  <a:txBody>
-                    <a:bodyPr/>
-                    <a:lstStyle/>
-                    <a:p>
-                      <a:pPr marL="0" marR="0" indent="0" algn="l" defTabSz="914400" rtl="0" eaLnBrk="1" fontAlgn="auto" latinLnBrk="0" hangingPunct="1">
-                        <a:lnSpc>
-                          <a:spcPct val="100000"/>
-                        </a:lnSpc>
-                        <a:spcBef>
-                          <a:spcPts val="0"/>
-                        </a:spcBef>
-                        <a:spcAft>
-                          <a:spcPts val="0"/>
-                        </a:spcAft>
-                        <a:buClrTx/>
-                        <a:buSzTx/>
-                        <a:buFontTx/>
-                        <a:buNone/>
-                        <a:tabLst/>
-                        <a:defRPr/>
-                      </a:pPr>
-                      <a:r>
-                        <a:rPr lang="en-GB" sz="1400" dirty="0" smtClean="0"/>
-                        <a:t>1 week</a:t>
-                      </a:r>
-                    </a:p>
-                    <a:p>
-                      <a:endParaRPr lang="en-GB" sz="1400" dirty="0"/>
-                    </a:p>
-                  </a:txBody>
-                  <a:tcPr/>
-                </a:tc>
-                <a:tc>
-                  <a:txBody>
-                    <a:bodyPr/>
-                    <a:lstStyle/>
-                    <a:p>
+                  <a:tcPr anchor="ctr"/>
+                </a:tc>
+                <a:tc>
+                  <a:txBody>
+                    <a:bodyPr/>
+                    <a:lstStyle/>
+                    <a:p>
+                      <a:pPr algn="ctr"/>
                       <a:endParaRPr lang="en-GB" sz="1400"/>
                     </a:p>
                   </a:txBody>
-                  <a:tcPr/>
-                </a:tc>
-                <a:tc>
-                  <a:txBody>
-                    <a:bodyPr/>
-                    <a:lstStyle/>
-                    <a:p>
-                      <a:endParaRPr lang="en-GB" sz="1400"/>
-                    </a:p>
-                  </a:txBody>
-                  <a:tcPr/>
-                </a:tc>
-                <a:tc>
-                  <a:txBody>
-                    <a:bodyPr/>
-                    <a:lstStyle/>
-                    <a:p>
-                      <a:endParaRPr lang="en-GB" sz="1400"/>
-                    </a:p>
-                  </a:txBody>
-                  <a:tcPr/>
-                </a:tc>
-                <a:tc>
-                  <a:txBody>
-                    <a:bodyPr/>
-                    <a:lstStyle/>
-                    <a:p>
-                      <a:endParaRPr lang="en-GB" sz="1400"/>
-                    </a:p>
-                  </a:txBody>
-                  <a:tcPr/>
-                </a:tc>
-                <a:tc>
-                  <a:txBody>
-                    <a:bodyPr/>
-                    <a:lstStyle/>
-                    <a:p>
-                      <a:endParaRPr lang="en-GB" sz="1400"/>
-                    </a:p>
-                  </a:txBody>
-                  <a:tcPr/>
-                </a:tc>
-                <a:tc>
-                  <a:txBody>
-                    <a:bodyPr/>
-                    <a:lstStyle/>
-                    <a:p>
-                      <a:endParaRPr lang="en-GB" sz="1400" dirty="0"/>
-                    </a:p>
-                  </a:txBody>
-                  <a:tcPr/>
-                </a:tc>
-                <a:tc>
-                  <a:txBody>
-                    <a:bodyPr/>
-                    <a:lstStyle/>
-                    <a:p>
-                      <a:endParaRPr lang="en-GB" sz="1400" dirty="0"/>
-                    </a:p>
-                  </a:txBody>
-                  <a:tcPr/>
-                </a:tc>
-                <a:tc>
-                  <a:txBody>
-                    <a:bodyPr/>
-                    <a:lstStyle/>
-                    <a:p>
-                      <a:endParaRPr lang="en-GB" sz="1400"/>
-                    </a:p>
-                  </a:txBody>
-                  <a:tcPr/>
-                </a:tc>
-                <a:extLst>
-                  <a:ext uri="{0D108BD9-81ED-4DB2-BD59-A6C34878D82A}">
-                    <a16:rowId xmlns:a16="http://schemas.microsoft.com/office/drawing/2014/main" val="3241257229"/>
-                  </a:ext>
-                </a:extLst>
-              </a:tr>
-              <a:tr h="386043">
-                <a:tc>
-                  <a:txBody>
-                    <a:bodyPr/>
-                    <a:lstStyle/>
-                    <a:p>
-                      <a:r>
-                        <a:rPr lang="en-GB" sz="1400" dirty="0" smtClean="0"/>
-                        <a:t>delivery tracking system</a:t>
-                      </a:r>
-                      <a:endParaRPr lang="en-GB" sz="1400" dirty="0"/>
-                    </a:p>
-                  </a:txBody>
-                  <a:tcPr/>
-                </a:tc>
-                <a:tc>
-                  <a:txBody>
-                    <a:bodyPr/>
-                    <a:lstStyle/>
-                    <a:p>
-                      <a:pPr marL="0" marR="0" indent="0" algn="l" defTabSz="914400" rtl="0" eaLnBrk="1" fontAlgn="auto" latinLnBrk="0" hangingPunct="1">
-                        <a:lnSpc>
-                          <a:spcPct val="100000"/>
-                        </a:lnSpc>
-                        <a:spcBef>
-                          <a:spcPts val="0"/>
-                        </a:spcBef>
-                        <a:spcAft>
-                          <a:spcPts val="0"/>
-                        </a:spcAft>
-                        <a:buClrTx/>
-                        <a:buSzTx/>
-                        <a:buFontTx/>
-                        <a:buNone/>
-                        <a:tabLst/>
-                        <a:defRPr/>
-                      </a:pPr>
-                      <a:r>
-                        <a:rPr lang="en-GB" sz="1400" dirty="0" smtClean="0"/>
-                        <a:t>1 week</a:t>
-                      </a:r>
-                    </a:p>
-                    <a:p>
-                      <a:endParaRPr lang="en-GB" sz="1400" dirty="0"/>
-                    </a:p>
-                  </a:txBody>
-                  <a:tcPr/>
-                </a:tc>
-                <a:tc>
-                  <a:txBody>
-                    <a:bodyPr/>
-                    <a:lstStyle/>
-                    <a:p>
-                      <a:endParaRPr lang="en-GB" sz="1400"/>
-                    </a:p>
-                  </a:txBody>
-                  <a:tcPr/>
-                </a:tc>
-                <a:tc>
-                  <a:txBody>
-                    <a:bodyPr/>
-                    <a:lstStyle/>
-                    <a:p>
-                      <a:endParaRPr lang="en-GB" sz="1400"/>
-                    </a:p>
-                  </a:txBody>
-                  <a:tcPr/>
-                </a:tc>
-                <a:tc>
-                  <a:txBody>
-                    <a:bodyPr/>
-                    <a:lstStyle/>
-                    <a:p>
-                      <a:endParaRPr lang="en-GB" sz="1400"/>
-                    </a:p>
-                  </a:txBody>
-                  <a:tcPr/>
-                </a:tc>
-                <a:tc>
-                  <a:txBody>
-                    <a:bodyPr/>
-                    <a:lstStyle/>
-                    <a:p>
-                      <a:endParaRPr lang="en-GB" sz="1400"/>
-                    </a:p>
-                  </a:txBody>
-                  <a:tcPr/>
-                </a:tc>
-                <a:tc>
-                  <a:txBody>
-                    <a:bodyPr/>
-                    <a:lstStyle/>
-                    <a:p>
-                      <a:endParaRPr lang="en-GB" sz="1400"/>
-                    </a:p>
-                  </a:txBody>
-                  <a:tcPr/>
-                </a:tc>
-                <a:tc>
-                  <a:txBody>
-                    <a:bodyPr/>
-                    <a:lstStyle/>
-                    <a:p>
-                      <a:endParaRPr lang="en-GB" sz="1400"/>
-                    </a:p>
-                  </a:txBody>
-                  <a:tcPr/>
-                </a:tc>
-                <a:tc>
-                  <a:txBody>
-                    <a:bodyPr/>
-                    <a:lstStyle/>
-                    <a:p>
-                      <a:endParaRPr lang="en-GB" sz="1400" dirty="0"/>
-                    </a:p>
-                  </a:txBody>
-                  <a:tcPr/>
-                </a:tc>
-                <a:tc>
-                  <a:txBody>
-                    <a:bodyPr/>
-                    <a:lstStyle/>
-                    <a:p>
-                      <a:endParaRPr lang="en-GB" sz="1400" dirty="0"/>
-                    </a:p>
-                  </a:txBody>
-                  <a:tcPr/>
+                  <a:tcPr anchor="ctr"/>
+                </a:tc>
+                <a:tc>
+                  <a:txBody>
+                    <a:bodyPr/>
+                    <a:lstStyle/>
+                    <a:p>
+                      <a:pPr algn="ctr"/>
+                      <a:endParaRPr lang="en-GB" sz="1400" dirty="0"/>
+                    </a:p>
+                  </a:txBody>
+                  <a:tcPr anchor="ctr"/>
+                </a:tc>
+                <a:tc>
+                  <a:txBody>
+                    <a:bodyPr/>
+                    <a:lstStyle/>
+                    <a:p>
+                      <a:pPr algn="ctr"/>
+                      <a:endParaRPr lang="en-GB" sz="1400" dirty="0"/>
+                    </a:p>
+                  </a:txBody>
+                  <a:tcPr anchor="ctr"/>
+                </a:tc>
+                <a:tc>
+                  <a:txBody>
+                    <a:bodyPr/>
+                    <a:lstStyle/>
+                    <a:p>
+                      <a:pPr algn="ctr"/>
+                      <a:endParaRPr lang="en-GB" sz="1400" dirty="0"/>
+                    </a:p>
+                  </a:txBody>
+                  <a:tcPr anchor="ctr"/>
+                </a:tc>
+                <a:tc>
+                  <a:txBody>
+                    <a:bodyPr/>
+                    <a:lstStyle/>
+                    <a:p>
+                      <a:pPr algn="ctr"/>
+                      <a:endParaRPr lang="en-GB" sz="1400" dirty="0"/>
+                    </a:p>
+                  </a:txBody>
+                  <a:tcPr anchor="ctr"/>
+                </a:tc>
+                <a:tc>
+                  <a:txBody>
+                    <a:bodyPr/>
+                    <a:lstStyle/>
+                    <a:p>
+                      <a:pPr algn="ctr"/>
+                      <a:endParaRPr lang="en-GB" sz="1400" dirty="0"/>
+                    </a:p>
+                  </a:txBody>
+                  <a:tcPr anchor="ctr"/>
+                </a:tc>
+                <a:tc>
+                  <a:txBody>
+                    <a:bodyPr/>
+                    <a:lstStyle/>
+                    <a:p>
+                      <a:pPr algn="ctr"/>
+                      <a:endParaRPr lang="en-GB" sz="1400" dirty="0"/>
+                    </a:p>
+                  </a:txBody>
+                  <a:tcPr anchor="ctr"/>
+                </a:tc>
+                <a:tc>
+                  <a:txBody>
+                    <a:bodyPr/>
+                    <a:lstStyle/>
+                    <a:p>
+                      <a:pPr algn="ctr"/>
+                      <a:endParaRPr lang="en-GB" sz="1400" dirty="0"/>
+                    </a:p>
+                  </a:txBody>
+                  <a:tcPr anchor="ctr"/>
                 </a:tc>
                 <a:extLst>
                   <a:ext uri="{0D108BD9-81ED-4DB2-BD59-A6C34878D82A}">
@@ -4608,267 +5554,7 @@
                   </a:ext>
                 </a:extLst>
               </a:tr>
-              <a:tr h="157277">
-                <a:tc>
-                  <a:txBody>
-                    <a:bodyPr/>
-                    <a:lstStyle/>
-                    <a:p>
-                      <a:endParaRPr lang="en-GB" sz="1400" dirty="0"/>
-                    </a:p>
-                  </a:txBody>
-                  <a:tcPr/>
-                </a:tc>
-                <a:tc>
-                  <a:txBody>
-                    <a:bodyPr/>
-                    <a:lstStyle/>
-                    <a:p>
-                      <a:pPr marL="0" marR="0" indent="0" algn="l" defTabSz="914400" rtl="0" eaLnBrk="1" fontAlgn="auto" latinLnBrk="0" hangingPunct="1">
-                        <a:lnSpc>
-                          <a:spcPct val="100000"/>
-                        </a:lnSpc>
-                        <a:spcBef>
-                          <a:spcPts val="0"/>
-                        </a:spcBef>
-                        <a:spcAft>
-                          <a:spcPts val="0"/>
-                        </a:spcAft>
-                        <a:buClrTx/>
-                        <a:buSzTx/>
-                        <a:buFontTx/>
-                        <a:buNone/>
-                        <a:tabLst/>
-                        <a:defRPr/>
-                      </a:pPr>
-                      <a:r>
-                        <a:rPr lang="en-GB" sz="1400" dirty="0" smtClean="0"/>
-                        <a:t>1 week</a:t>
-                      </a:r>
-                    </a:p>
-                    <a:p>
-                      <a:endParaRPr lang="en-GB" sz="1400" dirty="0"/>
-                    </a:p>
-                  </a:txBody>
-                  <a:tcPr/>
-                </a:tc>
-                <a:tc>
-                  <a:txBody>
-                    <a:bodyPr/>
-                    <a:lstStyle/>
-                    <a:p>
-                      <a:endParaRPr lang="en-GB" sz="1400"/>
-                    </a:p>
-                  </a:txBody>
-                  <a:tcPr/>
-                </a:tc>
-                <a:tc>
-                  <a:txBody>
-                    <a:bodyPr/>
-                    <a:lstStyle/>
-                    <a:p>
-                      <a:endParaRPr lang="en-GB" sz="1400"/>
-                    </a:p>
-                  </a:txBody>
-                  <a:tcPr/>
-                </a:tc>
-                <a:tc>
-                  <a:txBody>
-                    <a:bodyPr/>
-                    <a:lstStyle/>
-                    <a:p>
-                      <a:endParaRPr lang="en-GB" sz="1400"/>
-                    </a:p>
-                  </a:txBody>
-                  <a:tcPr/>
-                </a:tc>
-                <a:tc>
-                  <a:txBody>
-                    <a:bodyPr/>
-                    <a:lstStyle/>
-                    <a:p>
-                      <a:endParaRPr lang="en-GB" sz="1400"/>
-                    </a:p>
-                  </a:txBody>
-                  <a:tcPr/>
-                </a:tc>
-                <a:tc>
-                  <a:txBody>
-                    <a:bodyPr/>
-                    <a:lstStyle/>
-                    <a:p>
-                      <a:endParaRPr lang="en-GB" sz="1400"/>
-                    </a:p>
-                  </a:txBody>
-                  <a:tcPr/>
-                </a:tc>
-                <a:tc>
-                  <a:txBody>
-                    <a:bodyPr/>
-                    <a:lstStyle/>
-                    <a:p>
-                      <a:endParaRPr lang="en-GB" sz="1400"/>
-                    </a:p>
-                  </a:txBody>
-                  <a:tcPr/>
-                </a:tc>
-                <a:tc>
-                  <a:txBody>
-                    <a:bodyPr/>
-                    <a:lstStyle/>
-                    <a:p>
-                      <a:endParaRPr lang="en-GB" sz="1400" dirty="0"/>
-                    </a:p>
-                  </a:txBody>
-                  <a:tcPr/>
-                </a:tc>
-                <a:tc>
-                  <a:txBody>
-                    <a:bodyPr/>
-                    <a:lstStyle/>
-                    <a:p>
-                      <a:endParaRPr lang="en-GB" sz="1400" dirty="0"/>
-                    </a:p>
-                  </a:txBody>
-                  <a:tcPr/>
-                </a:tc>
-                <a:extLst>
-                  <a:ext uri="{0D108BD9-81ED-4DB2-BD59-A6C34878D82A}">
-                    <a16:rowId xmlns:a16="http://schemas.microsoft.com/office/drawing/2014/main" val="1952718570"/>
-                  </a:ext>
-                </a:extLst>
-              </a:tr>
-              <a:tr h="157277">
-                <a:tc>
-                  <a:txBody>
-                    <a:bodyPr/>
-                    <a:lstStyle/>
-                    <a:p>
-                      <a:endParaRPr lang="en-GB" sz="1400" dirty="0"/>
-                    </a:p>
-                  </a:txBody>
-                  <a:tcPr/>
-                </a:tc>
-                <a:tc>
-                  <a:txBody>
-                    <a:bodyPr/>
-                    <a:lstStyle/>
-                    <a:p>
-                      <a:pPr marL="0" marR="0" indent="0" algn="l" defTabSz="914400" rtl="0" eaLnBrk="1" fontAlgn="auto" latinLnBrk="0" hangingPunct="1">
-                        <a:lnSpc>
-                          <a:spcPct val="100000"/>
-                        </a:lnSpc>
-                        <a:spcBef>
-                          <a:spcPts val="0"/>
-                        </a:spcBef>
-                        <a:spcAft>
-                          <a:spcPts val="0"/>
-                        </a:spcAft>
-                        <a:buClrTx/>
-                        <a:buSzTx/>
-                        <a:buFontTx/>
-                        <a:buNone/>
-                        <a:tabLst/>
-                        <a:defRPr/>
-                      </a:pPr>
-                      <a:r>
-                        <a:rPr lang="en-GB" sz="1400" dirty="0" smtClean="0"/>
-                        <a:t>1 week</a:t>
-                      </a:r>
-                    </a:p>
-                    <a:p>
-                      <a:endParaRPr lang="en-GB" sz="1400" dirty="0"/>
-                    </a:p>
-                  </a:txBody>
-                  <a:tcPr/>
-                </a:tc>
-                <a:tc>
-                  <a:txBody>
-                    <a:bodyPr/>
-                    <a:lstStyle/>
-                    <a:p>
-                      <a:endParaRPr lang="en-GB" sz="1400"/>
-                    </a:p>
-                  </a:txBody>
-                  <a:tcPr/>
-                </a:tc>
-                <a:tc>
-                  <a:txBody>
-                    <a:bodyPr/>
-                    <a:lstStyle/>
-                    <a:p>
-                      <a:endParaRPr lang="en-GB" sz="1400"/>
-                    </a:p>
-                  </a:txBody>
-                  <a:tcPr/>
-                </a:tc>
-                <a:tc>
-                  <a:txBody>
-                    <a:bodyPr/>
-                    <a:lstStyle/>
-                    <a:p>
-                      <a:endParaRPr lang="en-GB" sz="1400"/>
-                    </a:p>
-                  </a:txBody>
-                  <a:tcPr/>
-                </a:tc>
-                <a:tc>
-                  <a:txBody>
-                    <a:bodyPr/>
-                    <a:lstStyle/>
-                    <a:p>
-                      <a:endParaRPr lang="en-GB" sz="1400"/>
-                    </a:p>
-                  </a:txBody>
-                  <a:tcPr/>
-                </a:tc>
-                <a:tc>
-                  <a:txBody>
-                    <a:bodyPr/>
-                    <a:lstStyle/>
-                    <a:p>
-                      <a:endParaRPr lang="en-GB" sz="1400"/>
-                    </a:p>
-                  </a:txBody>
-                  <a:tcPr/>
-                </a:tc>
-                <a:tc>
-                  <a:txBody>
-                    <a:bodyPr/>
-                    <a:lstStyle/>
-                    <a:p>
-                      <a:endParaRPr lang="en-GB" sz="1400"/>
-                    </a:p>
-                  </a:txBody>
-                  <a:tcPr/>
-                </a:tc>
-                <a:tc>
-                  <a:txBody>
-                    <a:bodyPr/>
-                    <a:lstStyle/>
-                    <a:p>
-                      <a:endParaRPr lang="en-GB" sz="1400" dirty="0"/>
-                    </a:p>
-                  </a:txBody>
-                  <a:tcPr/>
-                </a:tc>
-                <a:tc>
-                  <a:txBody>
-                    <a:bodyPr/>
-                    <a:lstStyle/>
-                    <a:p>
-                      <a:endParaRPr lang="en-GB" sz="1400" dirty="0"/>
-                    </a:p>
-                  </a:txBody>
-                  <a:tcPr/>
-                </a:tc>
-                <a:extLst>
-                  <a:ext uri="{0D108BD9-81ED-4DB2-BD59-A6C34878D82A}">
-                    <a16:rowId xmlns:a16="http://schemas.microsoft.com/office/drawing/2014/main" val="571291214"/>
-                  </a:ext>
-                </a:extLst>
-              </a:tr>
-              <a:tr h="157277">
+              <a:tr h="811788">
                 <a:tc>
                   <a:txBody>
                     <a:bodyPr/>
@@ -4905,17 +5591,18 @@
                       </a:r>
                     </a:p>
                     <a:p>
-                      <a:endParaRPr lang="en-GB" sz="1400" dirty="0"/>
-                    </a:p>
-                  </a:txBody>
-                  <a:tcPr/>
-                </a:tc>
-                <a:tc>
-                  <a:txBody>
-                    <a:bodyPr/>
-                    <a:lstStyle/>
-                    <a:p>
-                      <a:pPr marL="0" marR="0" indent="0" algn="l" defTabSz="914400" rtl="0" eaLnBrk="1" fontAlgn="auto" latinLnBrk="0" hangingPunct="1">
+                      <a:pPr algn="l"/>
+                      <a:endParaRPr lang="en-GB" sz="1400" dirty="0"/>
+                    </a:p>
+                  </a:txBody>
+                  <a:tcPr anchor="ctr"/>
+                </a:tc>
+                <a:tc>
+                  <a:txBody>
+                    <a:bodyPr/>
+                    <a:lstStyle/>
+                    <a:p>
+                      <a:pPr marL="0" marR="0" indent="0" algn="ctr" defTabSz="914400" rtl="0" eaLnBrk="1" fontAlgn="auto" latinLnBrk="0" hangingPunct="1">
                         <a:lnSpc>
                           <a:spcPct val="100000"/>
                         </a:lnSpc>
@@ -4938,90 +5625,165 @@
                       </a:r>
                     </a:p>
                     <a:p>
-                      <a:endParaRPr lang="en-GB" sz="1400" dirty="0"/>
-                    </a:p>
-                  </a:txBody>
-                  <a:tcPr/>
-                </a:tc>
-                <a:tc>
-                  <a:txBody>
-                    <a:bodyPr/>
-                    <a:lstStyle/>
-                    <a:p>
+                      <a:pPr algn="ctr"/>
+                      <a:endParaRPr lang="en-GB" sz="1400" dirty="0"/>
+                    </a:p>
+                  </a:txBody>
+                  <a:tcPr anchor="ctr"/>
+                </a:tc>
+                <a:tc>
+                  <a:txBody>
+                    <a:bodyPr/>
+                    <a:lstStyle/>
+                    <a:p>
+                      <a:pPr algn="ctr"/>
                       <a:endParaRPr lang="en-GB" sz="1400"/>
                     </a:p>
                   </a:txBody>
-                  <a:tcPr/>
-                </a:tc>
-                <a:tc>
-                  <a:txBody>
-                    <a:bodyPr/>
-                    <a:lstStyle/>
-                    <a:p>
+                  <a:tcPr anchor="ctr"/>
+                </a:tc>
+                <a:tc>
+                  <a:txBody>
+                    <a:bodyPr/>
+                    <a:lstStyle/>
+                    <a:p>
+                      <a:pPr algn="ctr"/>
                       <a:endParaRPr lang="en-GB" sz="1400"/>
                     </a:p>
                   </a:txBody>
-                  <a:tcPr/>
-                </a:tc>
-                <a:tc>
-                  <a:txBody>
-                    <a:bodyPr/>
-                    <a:lstStyle/>
-                    <a:p>
+                  <a:tcPr anchor="ctr"/>
+                </a:tc>
+                <a:tc>
+                  <a:txBody>
+                    <a:bodyPr/>
+                    <a:lstStyle/>
+                    <a:p>
+                      <a:pPr algn="ctr"/>
                       <a:endParaRPr lang="en-GB" sz="1400"/>
                     </a:p>
                   </a:txBody>
-                  <a:tcPr/>
-                </a:tc>
-                <a:tc>
-                  <a:txBody>
-                    <a:bodyPr/>
-                    <a:lstStyle/>
-                    <a:p>
+                  <a:tcPr anchor="ctr"/>
+                </a:tc>
+                <a:tc>
+                  <a:txBody>
+                    <a:bodyPr/>
+                    <a:lstStyle/>
+                    <a:p>
+                      <a:pPr algn="ctr"/>
                       <a:endParaRPr lang="en-GB" sz="1400"/>
                     </a:p>
                   </a:txBody>
-                  <a:tcPr/>
-                </a:tc>
-                <a:tc>
-                  <a:txBody>
-                    <a:bodyPr/>
-                    <a:lstStyle/>
-                    <a:p>
+                  <a:tcPr anchor="ctr"/>
+                </a:tc>
+                <a:tc>
+                  <a:txBody>
+                    <a:bodyPr/>
+                    <a:lstStyle/>
+                    <a:p>
+                      <a:pPr algn="ctr"/>
                       <a:endParaRPr lang="en-GB" sz="1400"/>
                     </a:p>
                   </a:txBody>
-                  <a:tcPr/>
-                </a:tc>
-                <a:tc>
-                  <a:txBody>
-                    <a:bodyPr/>
-                    <a:lstStyle/>
-                    <a:p>
+                  <a:tcPr anchor="ctr"/>
+                </a:tc>
+                <a:tc>
+                  <a:txBody>
+                    <a:bodyPr/>
+                    <a:lstStyle/>
+                    <a:p>
+                      <a:pPr algn="ctr"/>
                       <a:endParaRPr lang="en-GB" sz="1400"/>
                     </a:p>
                   </a:txBody>
-                  <a:tcPr/>
-                </a:tc>
-                <a:tc>
-                  <a:txBody>
-                    <a:bodyPr/>
-                    <a:lstStyle/>
-                    <a:p>
-                      <a:endParaRPr lang="en-GB" sz="1400" dirty="0"/>
-                    </a:p>
-                  </a:txBody>
-                  <a:tcPr/>
-                </a:tc>
-                <a:tc>
-                  <a:txBody>
-                    <a:bodyPr/>
-                    <a:lstStyle/>
-                    <a:p>
-                      <a:endParaRPr lang="en-GB" sz="1400" dirty="0"/>
-                    </a:p>
-                  </a:txBody>
-                  <a:tcPr/>
+                  <a:tcPr anchor="ctr"/>
+                </a:tc>
+                <a:tc>
+                  <a:txBody>
+                    <a:bodyPr/>
+                    <a:lstStyle/>
+                    <a:p>
+                      <a:pPr algn="ctr"/>
+                      <a:endParaRPr lang="en-GB" sz="1400"/>
+                    </a:p>
+                  </a:txBody>
+                  <a:tcPr anchor="ctr"/>
+                </a:tc>
+                <a:tc>
+                  <a:txBody>
+                    <a:bodyPr/>
+                    <a:lstStyle/>
+                    <a:p>
+                      <a:pPr algn="ctr"/>
+                      <a:endParaRPr lang="en-GB" sz="1400" dirty="0"/>
+                    </a:p>
+                  </a:txBody>
+                  <a:tcPr anchor="ctr"/>
+                </a:tc>
+                <a:tc>
+                  <a:txBody>
+                    <a:bodyPr/>
+                    <a:lstStyle/>
+                    <a:p>
+                      <a:pPr algn="ctr"/>
+                      <a:endParaRPr lang="en-GB" sz="1400" dirty="0"/>
+                    </a:p>
+                  </a:txBody>
+                  <a:tcPr anchor="ctr"/>
+                </a:tc>
+                <a:tc>
+                  <a:txBody>
+                    <a:bodyPr/>
+                    <a:lstStyle/>
+                    <a:p>
+                      <a:pPr algn="ctr"/>
+                      <a:endParaRPr lang="en-GB" sz="1400" dirty="0"/>
+                    </a:p>
+                  </a:txBody>
+                  <a:tcPr anchor="ctr"/>
+                </a:tc>
+                <a:tc>
+                  <a:txBody>
+                    <a:bodyPr/>
+                    <a:lstStyle/>
+                    <a:p>
+                      <a:pPr algn="ctr"/>
+                      <a:endParaRPr lang="en-GB" sz="1400" dirty="0"/>
+                    </a:p>
+                  </a:txBody>
+                  <a:tcPr anchor="ctr"/>
+                </a:tc>
+                <a:tc>
+                  <a:txBody>
+                    <a:bodyPr/>
+                    <a:lstStyle/>
+                    <a:p>
+                      <a:pPr algn="ctr"/>
+                      <a:endParaRPr lang="en-GB" sz="1400" dirty="0"/>
+                    </a:p>
+                  </a:txBody>
+                  <a:tcPr anchor="ctr"/>
+                </a:tc>
+                <a:tc>
+                  <a:txBody>
+                    <a:bodyPr/>
+                    <a:lstStyle/>
+                    <a:p>
+                      <a:pPr algn="ctr"/>
+                      <a:endParaRPr lang="en-GB" sz="1400" dirty="0"/>
+                    </a:p>
+                  </a:txBody>
+                  <a:tcPr anchor="ctr"/>
+                </a:tc>
+                <a:tc>
+                  <a:txBody>
+                    <a:bodyPr/>
+                    <a:lstStyle/>
+                    <a:p>
+                      <a:pPr algn="ctr"/>
+                      <a:endParaRPr lang="en-GB" sz="1400" dirty="0"/>
+                    </a:p>
+                  </a:txBody>
+                  <a:tcPr anchor="ctr"/>
                 </a:tc>
                 <a:extLst>
                   <a:ext uri="{0D108BD9-81ED-4DB2-BD59-A6C34878D82A}">
@@ -5033,6 +5795,346 @@
           </a:graphicData>
         </a:graphic>
       </p:graphicFrame>
+      <p:cxnSp>
+        <p:nvCxnSpPr>
+          <p:cNvPr id="18" name="Straight Arrow Connector 17"/>
+          <p:cNvCxnSpPr/>
+          <p:nvPr/>
+        </p:nvCxnSpPr>
+        <p:spPr>
+          <a:xfrm>
+            <a:off x="2826327" y="775855"/>
+            <a:ext cx="609600" cy="13854"/>
+          </a:xfrm>
+          <a:prstGeom prst="straightConnector1">
+            <a:avLst/>
+          </a:prstGeom>
+          <a:ln>
+            <a:headEnd type="triangle"/>
+            <a:tailEnd type="triangle"/>
+          </a:ln>
+        </p:spPr>
+        <p:style>
+          <a:lnRef idx="3">
+            <a:schemeClr val="accent1"/>
+          </a:lnRef>
+          <a:fillRef idx="0">
+            <a:schemeClr val="accent1"/>
+          </a:fillRef>
+          <a:effectRef idx="2">
+            <a:schemeClr val="accent1"/>
+          </a:effectRef>
+          <a:fontRef idx="minor">
+            <a:schemeClr val="tx1"/>
+          </a:fontRef>
+        </p:style>
+      </p:cxnSp>
+      <p:cxnSp>
+        <p:nvCxnSpPr>
+          <p:cNvPr id="19" name="Straight Arrow Connector 18"/>
+          <p:cNvCxnSpPr/>
+          <p:nvPr/>
+        </p:nvCxnSpPr>
+        <p:spPr>
+          <a:xfrm>
+            <a:off x="3532909" y="1357746"/>
+            <a:ext cx="609600" cy="13854"/>
+          </a:xfrm>
+          <a:prstGeom prst="straightConnector1">
+            <a:avLst/>
+          </a:prstGeom>
+          <a:ln>
+            <a:headEnd type="triangle"/>
+            <a:tailEnd type="triangle"/>
+          </a:ln>
+        </p:spPr>
+        <p:style>
+          <a:lnRef idx="3">
+            <a:schemeClr val="accent1"/>
+          </a:lnRef>
+          <a:fillRef idx="0">
+            <a:schemeClr val="accent1"/>
+          </a:fillRef>
+          <a:effectRef idx="2">
+            <a:schemeClr val="accent1"/>
+          </a:effectRef>
+          <a:fontRef idx="minor">
+            <a:schemeClr val="tx1"/>
+          </a:fontRef>
+        </p:style>
+      </p:cxnSp>
+      <p:cxnSp>
+        <p:nvCxnSpPr>
+          <p:cNvPr id="20" name="Straight Arrow Connector 19"/>
+          <p:cNvCxnSpPr/>
+          <p:nvPr/>
+        </p:nvCxnSpPr>
+        <p:spPr>
+          <a:xfrm>
+            <a:off x="4142509" y="2036618"/>
+            <a:ext cx="609600" cy="13854"/>
+          </a:xfrm>
+          <a:prstGeom prst="straightConnector1">
+            <a:avLst/>
+          </a:prstGeom>
+          <a:ln>
+            <a:headEnd type="triangle"/>
+            <a:tailEnd type="triangle"/>
+          </a:ln>
+        </p:spPr>
+        <p:style>
+          <a:lnRef idx="3">
+            <a:schemeClr val="accent1"/>
+          </a:lnRef>
+          <a:fillRef idx="0">
+            <a:schemeClr val="accent1"/>
+          </a:fillRef>
+          <a:effectRef idx="2">
+            <a:schemeClr val="accent1"/>
+          </a:effectRef>
+          <a:fontRef idx="minor">
+            <a:schemeClr val="tx1"/>
+          </a:fontRef>
+        </p:style>
+      </p:cxnSp>
+      <p:cxnSp>
+        <p:nvCxnSpPr>
+          <p:cNvPr id="21" name="Straight Arrow Connector 20"/>
+          <p:cNvCxnSpPr/>
+          <p:nvPr/>
+        </p:nvCxnSpPr>
+        <p:spPr>
+          <a:xfrm>
+            <a:off x="4884806" y="2604654"/>
+            <a:ext cx="609600" cy="13854"/>
+          </a:xfrm>
+          <a:prstGeom prst="straightConnector1">
+            <a:avLst/>
+          </a:prstGeom>
+          <a:ln>
+            <a:headEnd type="triangle"/>
+            <a:tailEnd type="triangle"/>
+          </a:ln>
+        </p:spPr>
+        <p:style>
+          <a:lnRef idx="3">
+            <a:schemeClr val="accent1"/>
+          </a:lnRef>
+          <a:fillRef idx="0">
+            <a:schemeClr val="accent1"/>
+          </a:fillRef>
+          <a:effectRef idx="2">
+            <a:schemeClr val="accent1"/>
+          </a:effectRef>
+          <a:fontRef idx="minor">
+            <a:schemeClr val="tx1"/>
+          </a:fontRef>
+        </p:style>
+      </p:cxnSp>
+      <p:cxnSp>
+        <p:nvCxnSpPr>
+          <p:cNvPr id="22" name="Straight Arrow Connector 21"/>
+          <p:cNvCxnSpPr/>
+          <p:nvPr/>
+        </p:nvCxnSpPr>
+        <p:spPr>
+          <a:xfrm>
+            <a:off x="5494406" y="3214255"/>
+            <a:ext cx="609600" cy="13854"/>
+          </a:xfrm>
+          <a:prstGeom prst="straightConnector1">
+            <a:avLst/>
+          </a:prstGeom>
+          <a:ln>
+            <a:headEnd type="triangle"/>
+            <a:tailEnd type="triangle"/>
+          </a:ln>
+        </p:spPr>
+        <p:style>
+          <a:lnRef idx="3">
+            <a:schemeClr val="accent1"/>
+          </a:lnRef>
+          <a:fillRef idx="0">
+            <a:schemeClr val="accent1"/>
+          </a:fillRef>
+          <a:effectRef idx="2">
+            <a:schemeClr val="accent1"/>
+          </a:effectRef>
+          <a:fontRef idx="minor">
+            <a:schemeClr val="tx1"/>
+          </a:fontRef>
+        </p:style>
+      </p:cxnSp>
+      <p:cxnSp>
+        <p:nvCxnSpPr>
+          <p:cNvPr id="23" name="Straight Arrow Connector 22"/>
+          <p:cNvCxnSpPr/>
+          <p:nvPr/>
+        </p:nvCxnSpPr>
+        <p:spPr>
+          <a:xfrm>
+            <a:off x="6228697" y="3768437"/>
+            <a:ext cx="609600" cy="13854"/>
+          </a:xfrm>
+          <a:prstGeom prst="straightConnector1">
+            <a:avLst/>
+          </a:prstGeom>
+          <a:ln>
+            <a:headEnd type="triangle"/>
+            <a:tailEnd type="triangle"/>
+          </a:ln>
+        </p:spPr>
+        <p:style>
+          <a:lnRef idx="3">
+            <a:schemeClr val="accent1"/>
+          </a:lnRef>
+          <a:fillRef idx="0">
+            <a:schemeClr val="accent1"/>
+          </a:fillRef>
+          <a:effectRef idx="2">
+            <a:schemeClr val="accent1"/>
+          </a:effectRef>
+          <a:fontRef idx="minor">
+            <a:schemeClr val="tx1"/>
+          </a:fontRef>
+        </p:style>
+      </p:cxnSp>
+      <p:cxnSp>
+        <p:nvCxnSpPr>
+          <p:cNvPr id="24" name="Straight Arrow Connector 23"/>
+          <p:cNvCxnSpPr/>
+          <p:nvPr/>
+        </p:nvCxnSpPr>
+        <p:spPr>
+          <a:xfrm>
+            <a:off x="11582400" y="6456219"/>
+            <a:ext cx="609600" cy="13854"/>
+          </a:xfrm>
+          <a:prstGeom prst="straightConnector1">
+            <a:avLst/>
+          </a:prstGeom>
+          <a:ln>
+            <a:headEnd type="triangle"/>
+            <a:tailEnd type="triangle"/>
+          </a:ln>
+        </p:spPr>
+        <p:style>
+          <a:lnRef idx="3">
+            <a:schemeClr val="accent1"/>
+          </a:lnRef>
+          <a:fillRef idx="0">
+            <a:schemeClr val="accent1"/>
+          </a:fillRef>
+          <a:effectRef idx="2">
+            <a:schemeClr val="accent1"/>
+          </a:effectRef>
+          <a:fontRef idx="minor">
+            <a:schemeClr val="tx1"/>
+          </a:fontRef>
+        </p:style>
+      </p:cxnSp>
+      <p:cxnSp>
+        <p:nvCxnSpPr>
+          <p:cNvPr id="25" name="Straight Arrow Connector 24"/>
+          <p:cNvCxnSpPr/>
+          <p:nvPr/>
+        </p:nvCxnSpPr>
+        <p:spPr>
+          <a:xfrm>
+            <a:off x="6838297" y="4495801"/>
+            <a:ext cx="3220103" cy="13855"/>
+          </a:xfrm>
+          <a:prstGeom prst="straightConnector1">
+            <a:avLst/>
+          </a:prstGeom>
+          <a:ln>
+            <a:headEnd type="triangle"/>
+            <a:tailEnd type="triangle"/>
+          </a:ln>
+        </p:spPr>
+        <p:style>
+          <a:lnRef idx="3">
+            <a:schemeClr val="accent1"/>
+          </a:lnRef>
+          <a:fillRef idx="0">
+            <a:schemeClr val="accent1"/>
+          </a:fillRef>
+          <a:effectRef idx="2">
+            <a:schemeClr val="accent1"/>
+          </a:effectRef>
+          <a:fontRef idx="minor">
+            <a:schemeClr val="tx1"/>
+          </a:fontRef>
+        </p:style>
+      </p:cxnSp>
+      <p:cxnSp>
+        <p:nvCxnSpPr>
+          <p:cNvPr id="27" name="Straight Arrow Connector 26"/>
+          <p:cNvCxnSpPr/>
+          <p:nvPr/>
+        </p:nvCxnSpPr>
+        <p:spPr>
+          <a:xfrm>
+            <a:off x="7536873" y="5181603"/>
+            <a:ext cx="3305387" cy="41563"/>
+          </a:xfrm>
+          <a:prstGeom prst="straightConnector1">
+            <a:avLst/>
+          </a:prstGeom>
+          <a:ln>
+            <a:headEnd type="triangle"/>
+            <a:tailEnd type="triangle"/>
+          </a:ln>
+        </p:spPr>
+        <p:style>
+          <a:lnRef idx="3">
+            <a:schemeClr val="accent1"/>
+          </a:lnRef>
+          <a:fillRef idx="0">
+            <a:schemeClr val="accent1"/>
+          </a:fillRef>
+          <a:effectRef idx="2">
+            <a:schemeClr val="accent1"/>
+          </a:effectRef>
+          <a:fontRef idx="minor">
+            <a:schemeClr val="tx1"/>
+          </a:fontRef>
+        </p:style>
+      </p:cxnSp>
+      <p:cxnSp>
+        <p:nvCxnSpPr>
+          <p:cNvPr id="30" name="Straight Arrow Connector 29"/>
+          <p:cNvCxnSpPr/>
+          <p:nvPr/>
+        </p:nvCxnSpPr>
+        <p:spPr>
+          <a:xfrm>
+            <a:off x="10842260" y="5666510"/>
+            <a:ext cx="609600" cy="13854"/>
+          </a:xfrm>
+          <a:prstGeom prst="straightConnector1">
+            <a:avLst/>
+          </a:prstGeom>
+          <a:ln>
+            <a:headEnd type="triangle"/>
+            <a:tailEnd type="triangle"/>
+          </a:ln>
+        </p:spPr>
+        <p:style>
+          <a:lnRef idx="3">
+            <a:schemeClr val="accent1"/>
+          </a:lnRef>
+          <a:fillRef idx="0">
+            <a:schemeClr val="accent1"/>
+          </a:fillRef>
+          <a:effectRef idx="2">
+            <a:schemeClr val="accent1"/>
+          </a:effectRef>
+          <a:fontRef idx="minor">
+            <a:schemeClr val="tx1"/>
+          </a:fontRef>
+        </p:style>
+      </p:cxnSp>
     </p:spTree>
     <p:extLst>
       <p:ext uri="{BB962C8B-B14F-4D97-AF65-F5344CB8AC3E}">
